--- a/src/test/resources/PPT/事务和锁.pptx
+++ b/src/test/resources/PPT/事务和锁.pptx
@@ -12,28 +12,23 @@
   <p:sldIdLst>
     <p:sldId id="480" r:id="rId5"/>
     <p:sldId id="351" r:id="rId7"/>
-    <p:sldId id="514" r:id="rId8"/>
-    <p:sldId id="352" r:id="rId9"/>
-    <p:sldId id="515" r:id="rId10"/>
-    <p:sldId id="362" r:id="rId11"/>
-    <p:sldId id="474" r:id="rId12"/>
-    <p:sldId id="499" r:id="rId13"/>
-    <p:sldId id="361" r:id="rId14"/>
-    <p:sldId id="535" r:id="rId15"/>
-    <p:sldId id="536" r:id="rId16"/>
+    <p:sldId id="352" r:id="rId8"/>
+    <p:sldId id="362" r:id="rId9"/>
+    <p:sldId id="474" r:id="rId10"/>
+    <p:sldId id="550" r:id="rId11"/>
+    <p:sldId id="499" r:id="rId12"/>
+    <p:sldId id="361" r:id="rId13"/>
+    <p:sldId id="551" r:id="rId14"/>
+    <p:sldId id="552" r:id="rId15"/>
+    <p:sldId id="458" r:id="rId16"/>
     <p:sldId id="481" r:id="rId17"/>
     <p:sldId id="459" r:id="rId18"/>
-    <p:sldId id="537" r:id="rId19"/>
-    <p:sldId id="475" r:id="rId20"/>
-    <p:sldId id="476" r:id="rId21"/>
-    <p:sldId id="477" r:id="rId22"/>
-    <p:sldId id="479" r:id="rId23"/>
-    <p:sldId id="461" r:id="rId24"/>
-    <p:sldId id="354" r:id="rId25"/>
-    <p:sldId id="374" r:id="rId26"/>
-    <p:sldId id="458" r:id="rId27"/>
-    <p:sldId id="478" r:id="rId28"/>
-    <p:sldId id="469" r:id="rId29"/>
+    <p:sldId id="475" r:id="rId19"/>
+    <p:sldId id="476" r:id="rId20"/>
+    <p:sldId id="477" r:id="rId21"/>
+    <p:sldId id="479" r:id="rId22"/>
+    <p:sldId id="461" r:id="rId23"/>
+    <p:sldId id="478" r:id="rId24"/>
   </p:sldIdLst>
   <p:sldSz cx="12192000" cy="6858000"/>
   <p:notesSz cx="6858000" cy="9144000"/>
@@ -6062,7 +6057,7 @@
         <a:spcBef>
           <a:spcPts val="1000"/>
         </a:spcBef>
-        <a:buFont typeface="Arial" panose="020B0604020202020204" pitchFamily="34" charset="0"/>
+        <a:buFont typeface="Arial" panose="020B0604020202090204" pitchFamily="34" charset="0"/>
         <a:buChar char="•"/>
         <a:defRPr sz="2800" kern="1200">
           <a:solidFill>
@@ -6080,7 +6075,7 @@
         <a:spcBef>
           <a:spcPts val="500"/>
         </a:spcBef>
-        <a:buFont typeface="Arial" panose="020B0604020202020204" pitchFamily="34" charset="0"/>
+        <a:buFont typeface="Arial" panose="020B0604020202090204" pitchFamily="34" charset="0"/>
         <a:buChar char="•"/>
         <a:defRPr sz="2400" kern="1200">
           <a:solidFill>
@@ -6098,7 +6093,7 @@
         <a:spcBef>
           <a:spcPts val="500"/>
         </a:spcBef>
-        <a:buFont typeface="Arial" panose="020B0604020202020204" pitchFamily="34" charset="0"/>
+        <a:buFont typeface="Arial" panose="020B0604020202090204" pitchFamily="34" charset="0"/>
         <a:buChar char="•"/>
         <a:defRPr sz="2000" kern="1200">
           <a:solidFill>
@@ -6116,7 +6111,7 @@
         <a:spcBef>
           <a:spcPts val="500"/>
         </a:spcBef>
-        <a:buFont typeface="Arial" panose="020B0604020202020204" pitchFamily="34" charset="0"/>
+        <a:buFont typeface="Arial" panose="020B0604020202090204" pitchFamily="34" charset="0"/>
         <a:buChar char="•"/>
         <a:defRPr sz="1800" kern="1200">
           <a:solidFill>
@@ -6134,7 +6129,7 @@
         <a:spcBef>
           <a:spcPts val="500"/>
         </a:spcBef>
-        <a:buFont typeface="Arial" panose="020B0604020202020204" pitchFamily="34" charset="0"/>
+        <a:buFont typeface="Arial" panose="020B0604020202090204" pitchFamily="34" charset="0"/>
         <a:buChar char="•"/>
         <a:defRPr sz="1800" kern="1200">
           <a:solidFill>
@@ -6152,7 +6147,7 @@
         <a:spcBef>
           <a:spcPts val="500"/>
         </a:spcBef>
-        <a:buFont typeface="Arial" panose="020B0604020202020204" pitchFamily="34" charset="0"/>
+        <a:buFont typeface="Arial" panose="020B0604020202090204" pitchFamily="34" charset="0"/>
         <a:buChar char="•"/>
         <a:defRPr sz="1800" kern="1200">
           <a:solidFill>
@@ -6170,7 +6165,7 @@
         <a:spcBef>
           <a:spcPts val="500"/>
         </a:spcBef>
-        <a:buFont typeface="Arial" panose="020B0604020202020204" pitchFamily="34" charset="0"/>
+        <a:buFont typeface="Arial" panose="020B0604020202090204" pitchFamily="34" charset="0"/>
         <a:buChar char="•"/>
         <a:defRPr sz="1800" kern="1200">
           <a:solidFill>
@@ -6188,7 +6183,7 @@
         <a:spcBef>
           <a:spcPts val="500"/>
         </a:spcBef>
-        <a:buFont typeface="Arial" panose="020B0604020202020204" pitchFamily="34" charset="0"/>
+        <a:buFont typeface="Arial" panose="020B0604020202090204" pitchFamily="34" charset="0"/>
         <a:buChar char="•"/>
         <a:defRPr sz="1800" kern="1200">
           <a:solidFill>
@@ -6206,7 +6201,7 @@
         <a:spcBef>
           <a:spcPts val="500"/>
         </a:spcBef>
-        <a:buFont typeface="Arial" panose="020B0604020202020204" pitchFamily="34" charset="0"/>
+        <a:buFont typeface="Arial" panose="020B0604020202090204" pitchFamily="34" charset="0"/>
         <a:buChar char="•"/>
         <a:defRPr sz="1800" kern="1200">
           <a:solidFill>
@@ -6372,7 +6367,7 @@
         <a:spcBef>
           <a:spcPct val="20000"/>
         </a:spcBef>
-        <a:buFont typeface="Arial" panose="020B0604020202020204"/>
+        <a:buFont typeface="Arial" panose="020B0604020202090204"/>
         <a:buChar char="•"/>
         <a:defRPr sz="1600" kern="1200">
           <a:solidFill>
@@ -6387,7 +6382,7 @@
         <a:spcBef>
           <a:spcPct val="20000"/>
         </a:spcBef>
-        <a:buFont typeface="Arial" panose="020B0604020202020204"/>
+        <a:buFont typeface="Arial" panose="020B0604020202090204"/>
         <a:buChar char="–"/>
         <a:defRPr sz="1400" kern="1200">
           <a:solidFill>
@@ -6402,7 +6397,7 @@
         <a:spcBef>
           <a:spcPct val="20000"/>
         </a:spcBef>
-        <a:buFont typeface="Arial" panose="020B0604020202020204"/>
+        <a:buFont typeface="Arial" panose="020B0604020202090204"/>
         <a:buChar char="•"/>
         <a:defRPr sz="1200" kern="1200">
           <a:solidFill>
@@ -6417,7 +6412,7 @@
         <a:spcBef>
           <a:spcPct val="20000"/>
         </a:spcBef>
-        <a:buFont typeface="Arial" panose="020B0604020202020204"/>
+        <a:buFont typeface="Arial" panose="020B0604020202090204"/>
         <a:buChar char="–"/>
         <a:defRPr sz="1000" kern="1200">
           <a:solidFill>
@@ -6432,7 +6427,7 @@
         <a:spcBef>
           <a:spcPct val="20000"/>
         </a:spcBef>
-        <a:buFont typeface="Arial" panose="020B0604020202020204"/>
+        <a:buFont typeface="Arial" panose="020B0604020202090204"/>
         <a:buChar char="»"/>
         <a:defRPr sz="1000" kern="1200">
           <a:solidFill>
@@ -6447,7 +6442,7 @@
         <a:spcBef>
           <a:spcPct val="20000"/>
         </a:spcBef>
-        <a:buFont typeface="Arial" panose="020B0604020202020204"/>
+        <a:buFont typeface="Arial" panose="020B0604020202090204"/>
         <a:buChar char="•"/>
         <a:defRPr sz="1000" kern="1200">
           <a:solidFill>
@@ -6462,7 +6457,7 @@
         <a:spcBef>
           <a:spcPct val="20000"/>
         </a:spcBef>
-        <a:buFont typeface="Arial" panose="020B0604020202020204"/>
+        <a:buFont typeface="Arial" panose="020B0604020202090204"/>
         <a:buChar char="•"/>
         <a:defRPr sz="1000" kern="1200">
           <a:solidFill>
@@ -6477,7 +6472,7 @@
         <a:spcBef>
           <a:spcPct val="20000"/>
         </a:spcBef>
-        <a:buFont typeface="Arial" panose="020B0604020202020204"/>
+        <a:buFont typeface="Arial" panose="020B0604020202090204"/>
         <a:buChar char="•"/>
         <a:defRPr sz="1000" kern="1200">
           <a:solidFill>
@@ -6492,7 +6487,7 @@
         <a:spcBef>
           <a:spcPct val="20000"/>
         </a:spcBef>
-        <a:buFont typeface="Arial" panose="020B0604020202020204"/>
+        <a:buFont typeface="Arial" panose="020B0604020202090204"/>
         <a:buChar char="•"/>
         <a:defRPr sz="1000" kern="1200">
           <a:solidFill>
@@ -7518,10 +7513,17 @@
         <p:cNvGrpSpPr/>
         <p:nvPr/>
       </p:nvGrpSpPr>
-      <p:grpSpPr/>
+      <p:grpSpPr>
+        <a:xfrm>
+          <a:off x="0" y="0"/>
+          <a:ext cx="0" cy="0"/>
+          <a:chOff x="0" y="0"/>
+          <a:chExt cx="0" cy="0"/>
+        </a:xfrm>
+      </p:grpSpPr>
       <p:pic>
         <p:nvPicPr>
-          <p:cNvPr id="8" name="图片 7"/>
+          <p:cNvPr id="5" name="图片 4"/>
           <p:cNvPicPr>
             <a:picLocks noChangeAspect="1"/>
           </p:cNvPicPr>
@@ -7535,8 +7537,8 @@
         </p:blipFill>
         <p:spPr>
           <a:xfrm>
-            <a:off x="3263900" y="1282700"/>
-            <a:ext cx="5664200" cy="4292600"/>
+            <a:off x="2947035" y="971550"/>
+            <a:ext cx="5842000" cy="4914900"/>
           </a:xfrm>
           <a:prstGeom prst="rect">
             <a:avLst/>
@@ -7548,14 +7550,9 @@
   <p:clrMapOvr>
     <a:masterClrMapping/>
   </p:clrMapOvr>
-  <mc:AlternateContent xmlns:mc="http://schemas.openxmlformats.org/markup-compatibility/2006">
-    <mc:Choice xmlns:p14="http://schemas.microsoft.com/office/powerpoint/2010/main" Requires="p14">
-      <p:transition p14:dur="700"/>
-    </mc:Choice>
-    <mc:Fallback>
-      <p:transition/>
-    </mc:Fallback>
-  </mc:AlternateContent>
+  <p:transition spd="slow">
+    <p:wipe/>
+  </p:transition>
 </p:sld>
 </file>
 
@@ -7568,10 +7565,157 @@
         <p:cNvGrpSpPr/>
         <p:nvPr/>
       </p:nvGrpSpPr>
-      <p:grpSpPr/>
+      <p:grpSpPr>
+        <a:xfrm>
+          <a:off x="0" y="0"/>
+          <a:ext cx="0" cy="0"/>
+          <a:chOff x="0" y="0"/>
+          <a:chExt cx="0" cy="0"/>
+        </a:xfrm>
+      </p:grpSpPr>
+      <p:sp>
+        <p:nvSpPr>
+          <p:cNvPr id="50" name="Rectangle 1"/>
+          <p:cNvSpPr/>
+          <p:nvPr/>
+        </p:nvSpPr>
+        <p:spPr bwMode="auto">
+          <a:xfrm>
+            <a:off x="3945890" y="249409"/>
+            <a:ext cx="4300220" cy="430530"/>
+          </a:xfrm>
+          <a:prstGeom prst="rect">
+            <a:avLst/>
+          </a:prstGeom>
+          <a:noFill/>
+          <a:ln>
+            <a:noFill/>
+          </a:ln>
+        </p:spPr>
+        <p:txBody>
+          <a:bodyPr wrap="none" lIns="0" tIns="0" rIns="0" bIns="0" anchor="ctr">
+            <a:spAutoFit/>
+          </a:bodyPr>
+          <a:lstStyle/>
+          <a:p>
+            <a:pPr algn="ctr" defTabSz="913765"/>
+            <a:r>
+              <a:rPr lang="en-US" altLang="zh-CN" sz="2800" spc="300" dirty="0">
+                <a:solidFill>
+                  <a:srgbClr val="FF0000"/>
+                </a:solidFill>
+                <a:latin typeface="Calibri" panose="020F0502020204030204" pitchFamily="34" charset="0"/>
+                <a:ea typeface="微软雅黑" panose="020B0503020204020204" pitchFamily="34" charset="-122"/>
+                <a:cs typeface="Lato Regular"/>
+                <a:sym typeface="Calibri" panose="020F0502020204030204" pitchFamily="34" charset="0"/>
+              </a:rPr>
+              <a:t>2.4 </a:t>
+            </a:r>
+            <a:r>
+              <a:rPr lang="zh-CN" altLang="en-US" sz="2800" spc="300" dirty="0">
+                <a:solidFill>
+                  <a:srgbClr val="FF0000"/>
+                </a:solidFill>
+                <a:latin typeface="Calibri" panose="020F0502020204030204" pitchFamily="34" charset="0"/>
+                <a:ea typeface="微软雅黑" panose="020B0503020204020204" pitchFamily="34" charset="-122"/>
+                <a:cs typeface="Lato Regular"/>
+                <a:sym typeface="Calibri" panose="020F0502020204030204" pitchFamily="34" charset="0"/>
+              </a:rPr>
+              <a:t>MVCC</a:t>
+            </a:r>
+            <a:r>
+              <a:rPr lang="zh-CN" altLang="en-US" sz="2800" spc="300" dirty="0">
+                <a:solidFill>
+                  <a:srgbClr val="FF0000"/>
+                </a:solidFill>
+                <a:latin typeface="Calibri" panose="020F0502020204030204" pitchFamily="34" charset="0"/>
+                <a:ea typeface="微软雅黑" panose="020B0503020204020204" pitchFamily="34" charset="-122"/>
+                <a:cs typeface="Lato Regular"/>
+                <a:sym typeface="+mn-ea"/>
+              </a:rPr>
+              <a:t>如何解决幻读</a:t>
+            </a:r>
+            <a:endParaRPr lang="zh-CN" altLang="en-US" sz="2800" spc="300" dirty="0">
+              <a:solidFill>
+                <a:srgbClr val="FF0000"/>
+              </a:solidFill>
+              <a:latin typeface="Calibri" panose="020F0502020204030204" pitchFamily="34" charset="0"/>
+              <a:ea typeface="微软雅黑" panose="020B0503020204020204" pitchFamily="34" charset="-122"/>
+              <a:cs typeface="Lato Regular"/>
+              <a:sym typeface="+mn-ea"/>
+            </a:endParaRPr>
+          </a:p>
+        </p:txBody>
+      </p:sp>
+      <p:sp>
+        <p:nvSpPr>
+          <p:cNvPr id="3" name="文本框 2"/>
+          <p:cNvSpPr txBox="1"/>
+          <p:nvPr/>
+        </p:nvSpPr>
+        <p:spPr>
+          <a:xfrm>
+            <a:off x="1411605" y="929640"/>
+            <a:ext cx="9514205" cy="2584450"/>
+          </a:xfrm>
+          <a:prstGeom prst="rect">
+            <a:avLst/>
+          </a:prstGeom>
+          <a:noFill/>
+        </p:spPr>
+        <p:txBody>
+          <a:bodyPr wrap="square" rtlCol="0" anchor="t">
+            <a:spAutoFit/>
+          </a:bodyPr>
+          <a:p>
+            <a:endParaRPr lang="zh-CN" altLang="en-US"/>
+          </a:p>
+          <a:p>
+            <a:r>
+              <a:rPr lang="zh-CN" altLang="en-US"/>
+              <a:t>MVCC 解决幻读的时候使用了间隙锁，也就是 next-key lock，这部分就要先从 InnoDB 的三种行锁说起：</a:t>
+            </a:r>
+            <a:endParaRPr lang="zh-CN" altLang="en-US"/>
+          </a:p>
+          <a:p>
+            <a:endParaRPr lang="zh-CN" altLang="en-US"/>
+          </a:p>
+          <a:p>
+            <a:r>
+              <a:rPr lang="zh-CN" altLang="en-US"/>
+              <a:t>Record Lock：单个行记录上的锁，锁住的是索引</a:t>
+            </a:r>
+            <a:endParaRPr lang="zh-CN" altLang="en-US"/>
+          </a:p>
+          <a:p>
+            <a:r>
+              <a:rPr lang="zh-CN" altLang="en-US"/>
+              <a:t>Gap Lock：区间锁，锁定一个区间范围，但不包括记录本身，开区间</a:t>
+            </a:r>
+            <a:endParaRPr lang="zh-CN" altLang="en-US"/>
+          </a:p>
+          <a:p>
+            <a:r>
+              <a:rPr lang="zh-CN" altLang="en-US"/>
+              <a:t>Next-Key Lock：间隙锁，Record Lock + Gap Lock</a:t>
+            </a:r>
+            <a:endParaRPr lang="zh-CN" altLang="en-US"/>
+          </a:p>
+          <a:p>
+            <a:endParaRPr lang="zh-CN" altLang="en-US"/>
+          </a:p>
+          <a:p>
+            <a:r>
+              <a:rPr lang="zh-CN" altLang="en-US"/>
+              <a:t>尽量使用唯一索引,因为唯一索引会把Next-Key Lock降级为Record Lock</a:t>
+            </a:r>
+            <a:endParaRPr lang="zh-CN" altLang="en-US"/>
+          </a:p>
+        </p:txBody>
+      </p:sp>
       <p:pic>
         <p:nvPicPr>
-          <p:cNvPr id="2" name="图片 1"/>
+          <p:cNvPr id="4" name="图片 3"/>
           <p:cNvPicPr>
             <a:picLocks noChangeAspect="1"/>
           </p:cNvPicPr>
@@ -7585,8 +7729,8 @@
         </p:blipFill>
         <p:spPr>
           <a:xfrm>
-            <a:off x="916940" y="838200"/>
-            <a:ext cx="10357485" cy="5181600"/>
+            <a:off x="1562100" y="4067810"/>
+            <a:ext cx="8555355" cy="2757805"/>
           </a:xfrm>
           <a:prstGeom prst="rect">
             <a:avLst/>
@@ -7598,14 +7742,16 @@
   <p:clrMapOvr>
     <a:masterClrMapping/>
   </p:clrMapOvr>
-  <mc:AlternateContent xmlns:mc="http://schemas.openxmlformats.org/markup-compatibility/2006">
-    <mc:Choice xmlns:p14="http://schemas.microsoft.com/office/powerpoint/2010/main" Requires="p14">
-      <p:transition p14:dur="700"/>
-    </mc:Choice>
-    <mc:Fallback>
-      <p:transition/>
-    </mc:Fallback>
-  </mc:AlternateContent>
+  <p:transition spd="slow">
+    <p:wipe/>
+  </p:transition>
+  <p:timing>
+    <p:tnLst>
+      <p:par>
+        <p:cTn id="1" dur="indefinite" restart="never" nodeType="tmRoot"/>
+      </p:par>
+    </p:tnLst>
+  </p:timing>
 </p:sld>
 </file>
 
@@ -8270,138 +8416,6 @@
       <p:grpSpPr/>
       <p:sp>
         <p:nvSpPr>
-          <p:cNvPr id="3" name="爆炸形 1 2"/>
-          <p:cNvSpPr/>
-          <p:nvPr/>
-        </p:nvSpPr>
-        <p:spPr>
-          <a:xfrm>
-            <a:off x="2493010" y="440055"/>
-            <a:ext cx="7076440" cy="4927600"/>
-          </a:xfrm>
-          <a:prstGeom prst="irregularSeal1">
-            <a:avLst/>
-          </a:prstGeom>
-          <a:solidFill>
-            <a:srgbClr val="F0FFBB"/>
-          </a:solidFill>
-        </p:spPr>
-        <p:style>
-          <a:lnRef idx="2">
-            <a:schemeClr val="accent1">
-              <a:shade val="50000"/>
-            </a:schemeClr>
-          </a:lnRef>
-          <a:fillRef idx="1">
-            <a:schemeClr val="accent1"/>
-          </a:fillRef>
-          <a:effectRef idx="0">
-            <a:schemeClr val="accent1"/>
-          </a:effectRef>
-          <a:fontRef idx="minor">
-            <a:schemeClr val="lt1"/>
-          </a:fontRef>
-        </p:style>
-        <p:txBody>
-          <a:bodyPr rtlCol="0" anchor="ctr"/>
-          <a:p>
-            <a:pPr algn="ctr"/>
-            <a:endParaRPr lang="zh-CN" altLang="en-US"/>
-          </a:p>
-        </p:txBody>
-      </p:sp>
-      <p:sp>
-        <p:nvSpPr>
-          <p:cNvPr id="4" name="文本框 3"/>
-          <p:cNvSpPr txBox="1"/>
-          <p:nvPr/>
-        </p:nvSpPr>
-        <p:spPr>
-          <a:xfrm>
-            <a:off x="4495165" y="1884045"/>
-            <a:ext cx="3376295" cy="2245360"/>
-          </a:xfrm>
-          <a:prstGeom prst="rect">
-            <a:avLst/>
-          </a:prstGeom>
-          <a:noFill/>
-        </p:spPr>
-        <p:txBody>
-          <a:bodyPr wrap="square" rtlCol="0">
-            <a:spAutoFit/>
-          </a:bodyPr>
-          <a:p>
-            <a:r>
-              <a:rPr lang="zh-CN" altLang="en-US" sz="2800">
-                <a:solidFill>
-                  <a:srgbClr val="FF0000"/>
-                </a:solidFill>
-                <a:sym typeface="+mn-ea"/>
-              </a:rPr>
-              <a:t>不针对数据库引擎的来对</a:t>
-            </a:r>
-            <a:r>
-              <a:rPr lang="en-US" altLang="zh-CN" sz="2800">
-                <a:solidFill>
-                  <a:srgbClr val="FF0000"/>
-                </a:solidFill>
-                <a:sym typeface="+mn-ea"/>
-              </a:rPr>
-              <a:t>mysql</a:t>
-            </a:r>
-            <a:r>
-              <a:rPr lang="zh-CN" altLang="en-US" sz="2800">
-                <a:solidFill>
-                  <a:srgbClr val="FF0000"/>
-                </a:solidFill>
-                <a:sym typeface="+mn-ea"/>
-              </a:rPr>
-              <a:t>数据库机制的一切讨论都是耍</a:t>
-            </a:r>
-            <a:r>
-              <a:rPr lang="zh-CN" altLang="en-US" sz="2800">
-                <a:solidFill>
-                  <a:srgbClr val="FF0000"/>
-                </a:solidFill>
-                <a:sym typeface="+mn-ea"/>
-              </a:rPr>
-              <a:t>流氓！</a:t>
-            </a:r>
-            <a:endParaRPr lang="zh-CN" altLang="en-US" sz="2800">
-              <a:solidFill>
-                <a:srgbClr val="FF0000"/>
-              </a:solidFill>
-            </a:endParaRPr>
-          </a:p>
-          <a:p>
-            <a:endParaRPr lang="zh-CN" altLang="en-US" sz="2800">
-              <a:solidFill>
-                <a:srgbClr val="FF0000"/>
-              </a:solidFill>
-            </a:endParaRPr>
-          </a:p>
-        </p:txBody>
-      </p:sp>
-    </p:spTree>
-  </p:cSld>
-  <p:clrMapOvr>
-    <a:masterClrMapping/>
-  </p:clrMapOvr>
-</p:sld>
-</file>
-
-<file path=ppt/slides/slide15.xml><?xml version="1.0" encoding="utf-8"?>
-<p:sld xmlns:a="http://schemas.openxmlformats.org/drawingml/2006/main" xmlns:r="http://schemas.openxmlformats.org/officeDocument/2006/relationships" xmlns:p="http://schemas.openxmlformats.org/presentationml/2006/main">
-  <p:cSld>
-    <p:spTree>
-      <p:nvGrpSpPr>
-        <p:cNvPr id="1" name=""/>
-        <p:cNvGrpSpPr/>
-        <p:nvPr/>
-      </p:nvGrpSpPr>
-      <p:grpSpPr/>
-      <p:sp>
-        <p:nvSpPr>
           <p:cNvPr id="8" name="文本框 7"/>
           <p:cNvSpPr txBox="1"/>
           <p:nvPr/>
@@ -8495,7 +8509,7 @@
 </p:sld>
 </file>
 
-<file path=ppt/slides/slide16.xml><?xml version="1.0" encoding="utf-8"?>
+<file path=ppt/slides/slide15.xml><?xml version="1.0" encoding="utf-8"?>
 <p:sld xmlns:a="http://schemas.openxmlformats.org/drawingml/2006/main" xmlns:r="http://schemas.openxmlformats.org/officeDocument/2006/relationships" xmlns:p="http://schemas.openxmlformats.org/presentationml/2006/main">
   <p:cSld>
     <p:spTree>
@@ -8537,7 +8551,7 @@
 </p:sld>
 </file>
 
-<file path=ppt/slides/slide17.xml><?xml version="1.0" encoding="utf-8"?>
+<file path=ppt/slides/slide16.xml><?xml version="1.0" encoding="utf-8"?>
 <p:sld xmlns:a="http://schemas.openxmlformats.org/drawingml/2006/main" xmlns:r="http://schemas.openxmlformats.org/officeDocument/2006/relationships" xmlns:p="http://schemas.openxmlformats.org/presentationml/2006/main">
   <p:cSld>
     <p:spTree>
@@ -8961,7 +8975,7 @@
 </p:sld>
 </file>
 
-<file path=ppt/slides/slide18.xml><?xml version="1.0" encoding="utf-8"?>
+<file path=ppt/slides/slide17.xml><?xml version="1.0" encoding="utf-8"?>
 <p:sld xmlns:a="http://schemas.openxmlformats.org/drawingml/2006/main" xmlns:r="http://schemas.openxmlformats.org/officeDocument/2006/relationships" xmlns:p="http://schemas.openxmlformats.org/presentationml/2006/main">
   <p:cSld>
     <p:spTree>
@@ -9056,7 +9070,7 @@
 </p:sld>
 </file>
 
-<file path=ppt/slides/slide19.xml><?xml version="1.0" encoding="utf-8"?>
+<file path=ppt/slides/slide18.xml><?xml version="1.0" encoding="utf-8"?>
 <p:sld xmlns:a="http://schemas.openxmlformats.org/drawingml/2006/main" xmlns:r="http://schemas.openxmlformats.org/officeDocument/2006/relationships" xmlns:p="http://schemas.openxmlformats.org/presentationml/2006/main">
   <p:cSld>
     <p:spTree>
@@ -9198,6 +9212,64 @@
       </p:par>
     </p:tnLst>
   </p:timing>
+</p:sld>
+</file>
+
+<file path=ppt/slides/slide19.xml><?xml version="1.0" encoding="utf-8"?>
+<p:sld xmlns:a="http://schemas.openxmlformats.org/drawingml/2006/main" xmlns:r="http://schemas.openxmlformats.org/officeDocument/2006/relationships" xmlns:p="http://schemas.openxmlformats.org/presentationml/2006/main">
+  <p:cSld>
+    <p:spTree>
+      <p:nvGrpSpPr>
+        <p:cNvPr id="1" name=""/>
+        <p:cNvGrpSpPr/>
+        <p:nvPr/>
+      </p:nvGrpSpPr>
+      <p:grpSpPr/>
+      <p:sp>
+        <p:nvSpPr>
+          <p:cNvPr id="8" name="文本框 7"/>
+          <p:cNvSpPr txBox="1"/>
+          <p:nvPr/>
+        </p:nvSpPr>
+        <p:spPr>
+          <a:xfrm>
+            <a:off x="1924685" y="1182370"/>
+            <a:ext cx="8342630" cy="4307840"/>
+          </a:xfrm>
+          <a:prstGeom prst="rect">
+            <a:avLst/>
+          </a:prstGeom>
+          <a:noFill/>
+        </p:spPr>
+        <p:txBody>
+          <a:bodyPr wrap="square" rtlCol="0" anchor="t">
+            <a:spAutoFit/>
+          </a:bodyPr>
+          <a:p>
+            <a:r>
+              <a:rPr lang="zh-CN" altLang="en-US" sz="3200"/>
+              <a:t>总结：在mysql中，提供了两种事务隔离技术，第一个是mvcc，第二个是next-key技术。这个在使用不同的语句的时候可以动态选择。不加lock inshare mode之类的快照读就使用mvcc。否则 当前读使用next-key。mvcc的优势是不加锁，并发性高。缺点是不是实时数据。next-key的优势是获取实时数据，但是需要加锁。</a:t>
+            </a:r>
+            <a:endParaRPr lang="zh-CN" altLang="en-US"/>
+          </a:p>
+          <a:p>
+            <a:endParaRPr lang="zh-CN" altLang="en-US"/>
+          </a:p>
+        </p:txBody>
+      </p:sp>
+    </p:spTree>
+  </p:cSld>
+  <p:clrMapOvr>
+    <a:masterClrMapping/>
+  </p:clrMapOvr>
+  <mc:AlternateContent xmlns:mc="http://schemas.openxmlformats.org/markup-compatibility/2006">
+    <mc:Choice xmlns:p14="http://schemas.microsoft.com/office/powerpoint/2010/main" Requires="p14">
+      <p:transition p14:dur="700"/>
+    </mc:Choice>
+    <mc:Fallback>
+      <p:transition/>
+    </mc:Fallback>
+  </mc:AlternateContent>
 </p:sld>
 </file>
 
@@ -9226,7 +9298,7 @@
         </p:nvSpPr>
         <p:spPr>
           <a:xfrm>
-            <a:off x="3275649" y="2262202"/>
+            <a:off x="3276284" y="1164287"/>
             <a:ext cx="5639435" cy="398780"/>
           </a:xfrm>
           <a:prstGeom prst="rect">
@@ -9244,7 +9316,7 @@
             <a:r>
               <a:rPr lang="zh-CN" sz="2000" dirty="0">
                 <a:solidFill>
-                  <a:srgbClr val="7030A0"/>
+                  <a:schemeClr val="accent2"/>
                 </a:solidFill>
                 <a:latin typeface="Calibri" panose="020F0502020204030204" pitchFamily="34" charset="0"/>
                 <a:ea typeface="微软雅黑" panose="020B0503020204020204" pitchFamily="34" charset="-122"/>
@@ -9255,7 +9327,7 @@
             <a:r>
               <a:rPr lang="en-US" altLang="zh-CN" sz="2000" dirty="0">
                 <a:solidFill>
-                  <a:srgbClr val="7030A0"/>
+                  <a:schemeClr val="accent2"/>
                 </a:solidFill>
                 <a:latin typeface="Calibri" panose="020F0502020204030204" pitchFamily="34" charset="0"/>
                 <a:ea typeface="微软雅黑" panose="020B0503020204020204" pitchFamily="34" charset="-122"/>
@@ -9266,7 +9338,7 @@
             <a:r>
               <a:rPr lang="zh-CN" altLang="en-US" sz="2000" dirty="0">
                 <a:solidFill>
-                  <a:srgbClr val="7030A0"/>
+                  <a:schemeClr val="accent2"/>
                 </a:solidFill>
                 <a:latin typeface="Calibri" panose="020F0502020204030204" pitchFamily="34" charset="0"/>
                 <a:ea typeface="微软雅黑" panose="020B0503020204020204" pitchFamily="34" charset="-122"/>
@@ -9277,7 +9349,7 @@
             <a:r>
               <a:rPr lang="en-US" altLang="zh-CN" sz="2000" dirty="0">
                 <a:solidFill>
-                  <a:srgbClr val="7030A0"/>
+                  <a:schemeClr val="accent2"/>
                 </a:solidFill>
                 <a:latin typeface="Calibri" panose="020F0502020204030204" pitchFamily="34" charset="0"/>
                 <a:ea typeface="微软雅黑" panose="020B0503020204020204" pitchFamily="34" charset="-122"/>
@@ -9288,7 +9360,7 @@
             <a:r>
               <a:rPr lang="zh-CN" sz="2000" dirty="0">
                 <a:solidFill>
-                  <a:srgbClr val="7030A0"/>
+                  <a:schemeClr val="accent2"/>
                 </a:solidFill>
                 <a:latin typeface="Calibri" panose="020F0502020204030204" pitchFamily="34" charset="0"/>
                 <a:ea typeface="微软雅黑" panose="020B0503020204020204" pitchFamily="34" charset="-122"/>
@@ -9299,7 +9371,7 @@
             <a:r>
               <a:rPr lang="en-US" altLang="zh-CN" sz="2000" dirty="0">
                 <a:solidFill>
-                  <a:srgbClr val="7030A0"/>
+                  <a:schemeClr val="accent2"/>
                 </a:solidFill>
                 <a:latin typeface="Calibri" panose="020F0502020204030204" pitchFamily="34" charset="0"/>
                 <a:ea typeface="微软雅黑" panose="020B0503020204020204" pitchFamily="34" charset="-122"/>
@@ -9310,7 +9382,7 @@
             <a:r>
               <a:rPr lang="zh-CN" altLang="en-US" sz="2000" dirty="0">
                 <a:solidFill>
-                  <a:srgbClr val="7030A0"/>
+                  <a:schemeClr val="accent2"/>
                 </a:solidFill>
                 <a:latin typeface="Calibri" panose="020F0502020204030204" pitchFamily="34" charset="0"/>
                 <a:ea typeface="微软雅黑" panose="020B0503020204020204" pitchFamily="34" charset="-122"/>
@@ -9320,7 +9392,7 @@
             </a:r>
             <a:endParaRPr lang="zh-CN" altLang="en-US" sz="2000" dirty="0">
               <a:solidFill>
-                <a:srgbClr val="7030A0"/>
+                <a:schemeClr val="accent2"/>
               </a:solidFill>
               <a:latin typeface="Calibri" panose="020F0502020204030204" pitchFamily="34" charset="0"/>
               <a:ea typeface="微软雅黑" panose="020B0503020204020204" pitchFamily="34" charset="-122"/>
@@ -9337,8 +9409,8 @@
         </p:nvSpPr>
         <p:spPr bwMode="auto">
           <a:xfrm>
-            <a:off x="5053648" y="458959"/>
-            <a:ext cx="2084705" cy="430530"/>
+            <a:off x="5183823" y="489757"/>
+            <a:ext cx="1824355" cy="368935"/>
           </a:xfrm>
           <a:prstGeom prst="rect">
             <a:avLst/>
@@ -9355,7 +9427,7 @@
           <a:p>
             <a:pPr algn="ctr" defTabSz="913765"/>
             <a:r>
-              <a:rPr lang="en-US" altLang="zh-CN" sz="2800" spc="300" dirty="0">
+              <a:rPr lang="en-US" altLang="zh-CN" sz="2400" spc="300" dirty="0">
                 <a:solidFill>
                   <a:schemeClr val="tx1">
                     <a:lumMod val="50000"/>
@@ -9369,7 +9441,7 @@
               <a:t>1. </a:t>
             </a:r>
             <a:r>
-              <a:rPr lang="zh-CN" altLang="en-US" sz="2800" spc="300" dirty="0">
+              <a:rPr lang="zh-CN" altLang="en-US" sz="2400" spc="300" dirty="0">
                 <a:solidFill>
                   <a:schemeClr val="tx1">
                     <a:lumMod val="50000"/>
@@ -9382,7 +9454,7 @@
               </a:rPr>
               <a:t>事务定义</a:t>
             </a:r>
-            <a:endParaRPr lang="zh-CN" altLang="en-US" sz="2800" spc="300" dirty="0">
+            <a:endParaRPr lang="zh-CN" altLang="en-US" sz="2400" spc="300" dirty="0">
               <a:solidFill>
                 <a:schemeClr val="tx1">
                   <a:lumMod val="50000"/>
@@ -9398,14 +9470,14 @@
       </p:sp>
       <p:sp>
         <p:nvSpPr>
-          <p:cNvPr id="5" name="文本框 4"/>
+          <p:cNvPr id="8" name="文本框 7"/>
           <p:cNvSpPr txBox="1"/>
           <p:nvPr/>
         </p:nvSpPr>
         <p:spPr>
           <a:xfrm>
-            <a:off x="3275965" y="3552825"/>
-            <a:ext cx="5577205" cy="398780"/>
+            <a:off x="3503295" y="3503295"/>
+            <a:ext cx="5187315" cy="1291590"/>
           </a:xfrm>
           <a:prstGeom prst="rect">
             <a:avLst/>
@@ -9417,29 +9489,347 @@
             <a:spAutoFit/>
           </a:bodyPr>
           <a:p>
-            <a:pPr algn="l"/>
+            <a:pPr algn="l">
+              <a:lnSpc>
+                <a:spcPct val="130000"/>
+              </a:lnSpc>
+            </a:pPr>
             <a:r>
               <a:rPr lang="zh-CN" sz="2000" dirty="0">
                 <a:solidFill>
-                  <a:srgbClr val="7030A0"/>
+                  <a:schemeClr val="accent2"/>
                 </a:solidFill>
                 <a:latin typeface="Calibri" panose="020F0502020204030204" pitchFamily="34" charset="0"/>
                 <a:ea typeface="微软雅黑" panose="020B0503020204020204" pitchFamily="34" charset="-122"/>
                 <a:sym typeface="Calibri" panose="020F0502020204030204" pitchFamily="34" charset="0"/>
               </a:rPr>
-              <a:t>有了事务我们可以保证数据的一致性，</a:t>
-            </a:r>
-            <a:endParaRPr lang="zh-CN" sz="2000" dirty="0">
+              <a:t>转账操作，</a:t>
+            </a:r>
+            <a:r>
+              <a:rPr lang="en-US" altLang="zh-CN" sz="2000" dirty="0">
+                <a:solidFill>
+                  <a:schemeClr val="accent2"/>
+                </a:solidFill>
+                <a:latin typeface="Calibri" panose="020F0502020204030204" pitchFamily="34" charset="0"/>
+                <a:ea typeface="微软雅黑" panose="020B0503020204020204" pitchFamily="34" charset="-122"/>
+                <a:sym typeface="Calibri" panose="020F0502020204030204" pitchFamily="34" charset="0"/>
+              </a:rPr>
+              <a:t>A</a:t>
+            </a:r>
+            <a:r>
+              <a:rPr lang="zh-CN" altLang="en-US" sz="2000" dirty="0">
+                <a:solidFill>
+                  <a:schemeClr val="accent2"/>
+                </a:solidFill>
+                <a:latin typeface="Calibri" panose="020F0502020204030204" pitchFamily="34" charset="0"/>
+                <a:ea typeface="微软雅黑" panose="020B0503020204020204" pitchFamily="34" charset="-122"/>
+                <a:sym typeface="Calibri" panose="020F0502020204030204" pitchFamily="34" charset="0"/>
+              </a:rPr>
+              <a:t>账户转</a:t>
+            </a:r>
+            <a:r>
+              <a:rPr lang="en-US" altLang="zh-CN" sz="2000" dirty="0">
+                <a:solidFill>
+                  <a:schemeClr val="accent2"/>
+                </a:solidFill>
+                <a:latin typeface="Calibri" panose="020F0502020204030204" pitchFamily="34" charset="0"/>
+                <a:ea typeface="微软雅黑" panose="020B0503020204020204" pitchFamily="34" charset="-122"/>
+                <a:sym typeface="Calibri" panose="020F0502020204030204" pitchFamily="34" charset="0"/>
+              </a:rPr>
+              <a:t>5000</a:t>
+            </a:r>
+            <a:r>
+              <a:rPr lang="zh-CN" altLang="en-US" sz="2000" dirty="0">
+                <a:solidFill>
+                  <a:schemeClr val="accent2"/>
+                </a:solidFill>
+                <a:latin typeface="Calibri" panose="020F0502020204030204" pitchFamily="34" charset="0"/>
+                <a:ea typeface="微软雅黑" panose="020B0503020204020204" pitchFamily="34" charset="-122"/>
+                <a:sym typeface="Calibri" panose="020F0502020204030204" pitchFamily="34" charset="0"/>
+              </a:rPr>
+              <a:t>元给</a:t>
+            </a:r>
+            <a:r>
+              <a:rPr lang="en-US" altLang="zh-CN" sz="2000" dirty="0">
+                <a:solidFill>
+                  <a:schemeClr val="accent2"/>
+                </a:solidFill>
+                <a:latin typeface="Calibri" panose="020F0502020204030204" pitchFamily="34" charset="0"/>
+                <a:ea typeface="微软雅黑" panose="020B0503020204020204" pitchFamily="34" charset="-122"/>
+                <a:sym typeface="Calibri" panose="020F0502020204030204" pitchFamily="34" charset="0"/>
+              </a:rPr>
+              <a:t>B</a:t>
+            </a:r>
+            <a:r>
+              <a:rPr lang="zh-CN" altLang="en-US" sz="2000" dirty="0">
+                <a:solidFill>
+                  <a:schemeClr val="accent2"/>
+                </a:solidFill>
+                <a:latin typeface="Calibri" panose="020F0502020204030204" pitchFamily="34" charset="0"/>
+                <a:ea typeface="微软雅黑" panose="020B0503020204020204" pitchFamily="34" charset="-122"/>
+                <a:sym typeface="Calibri" panose="020F0502020204030204" pitchFamily="34" charset="0"/>
+              </a:rPr>
+              <a:t>账户：</a:t>
+            </a:r>
+            <a:endParaRPr lang="zh-CN" altLang="en-US" sz="2000" dirty="0">
               <a:solidFill>
-                <a:srgbClr val="7030A0"/>
+                <a:schemeClr val="accent2"/>
               </a:solidFill>
               <a:latin typeface="Calibri" panose="020F0502020204030204" pitchFamily="34" charset="0"/>
               <a:ea typeface="微软雅黑" panose="020B0503020204020204" pitchFamily="34" charset="-122"/>
               <a:sym typeface="Calibri" panose="020F0502020204030204" pitchFamily="34" charset="0"/>
             </a:endParaRPr>
           </a:p>
-        </p:txBody>
-      </p:sp>
+          <a:p>
+            <a:pPr algn="l">
+              <a:lnSpc>
+                <a:spcPct val="130000"/>
+              </a:lnSpc>
+            </a:pPr>
+            <a:r>
+              <a:rPr lang="en-US" altLang="zh-CN" sz="2000" dirty="0">
+                <a:solidFill>
+                  <a:schemeClr val="accent2"/>
+                </a:solidFill>
+                <a:latin typeface="Calibri" panose="020F0502020204030204" pitchFamily="34" charset="0"/>
+                <a:ea typeface="微软雅黑" panose="020B0503020204020204" pitchFamily="34" charset="-122"/>
+                <a:sym typeface="Calibri" panose="020F0502020204030204" pitchFamily="34" charset="0"/>
+              </a:rPr>
+              <a:t>	</a:t>
+            </a:r>
+            <a:r>
+              <a:rPr lang="en-US" altLang="zh-CN" sz="2000" dirty="0">
+                <a:solidFill>
+                  <a:srgbClr val="FF0000"/>
+                </a:solidFill>
+                <a:latin typeface="Calibri" panose="020F0502020204030204" pitchFamily="34" charset="0"/>
+                <a:ea typeface="微软雅黑" panose="020B0503020204020204" pitchFamily="34" charset="-122"/>
+                <a:sym typeface="Calibri" panose="020F0502020204030204" pitchFamily="34" charset="0"/>
+              </a:rPr>
+              <a:t>A</a:t>
+            </a:r>
+            <a:r>
+              <a:rPr lang="zh-CN" altLang="en-US" sz="2000" dirty="0">
+                <a:solidFill>
+                  <a:srgbClr val="FF0000"/>
+                </a:solidFill>
+                <a:latin typeface="Calibri" panose="020F0502020204030204" pitchFamily="34" charset="0"/>
+                <a:ea typeface="微软雅黑" panose="020B0503020204020204" pitchFamily="34" charset="-122"/>
+                <a:sym typeface="Calibri" panose="020F0502020204030204" pitchFamily="34" charset="0"/>
+              </a:rPr>
+              <a:t>账户的余额减去</a:t>
+            </a:r>
+            <a:r>
+              <a:rPr lang="en-US" altLang="zh-CN" sz="2000" dirty="0">
+                <a:solidFill>
+                  <a:srgbClr val="FF0000"/>
+                </a:solidFill>
+                <a:latin typeface="Calibri" panose="020F0502020204030204" pitchFamily="34" charset="0"/>
+                <a:ea typeface="微软雅黑" panose="020B0503020204020204" pitchFamily="34" charset="-122"/>
+                <a:sym typeface="Calibri" panose="020F0502020204030204" pitchFamily="34" charset="0"/>
+              </a:rPr>
+              <a:t>5000</a:t>
+            </a:r>
+            <a:r>
+              <a:rPr lang="zh-CN" altLang="en-US" sz="2000" dirty="0">
+                <a:solidFill>
+                  <a:srgbClr val="FF0000"/>
+                </a:solidFill>
+                <a:latin typeface="Calibri" panose="020F0502020204030204" pitchFamily="34" charset="0"/>
+                <a:ea typeface="微软雅黑" panose="020B0503020204020204" pitchFamily="34" charset="-122"/>
+                <a:sym typeface="Calibri" panose="020F0502020204030204" pitchFamily="34" charset="0"/>
+              </a:rPr>
+              <a:t>。</a:t>
+            </a:r>
+            <a:endParaRPr lang="zh-CN" altLang="en-US" sz="2000" dirty="0">
+              <a:solidFill>
+                <a:schemeClr val="accent2"/>
+              </a:solidFill>
+              <a:latin typeface="Calibri" panose="020F0502020204030204" pitchFamily="34" charset="0"/>
+              <a:ea typeface="微软雅黑" panose="020B0503020204020204" pitchFamily="34" charset="-122"/>
+              <a:sym typeface="Calibri" panose="020F0502020204030204" pitchFamily="34" charset="0"/>
+            </a:endParaRPr>
+          </a:p>
+          <a:p>
+            <a:pPr algn="l">
+              <a:lnSpc>
+                <a:spcPct val="130000"/>
+              </a:lnSpc>
+            </a:pPr>
+            <a:r>
+              <a:rPr lang="en-US" altLang="zh-CN" sz="2000" dirty="0">
+                <a:solidFill>
+                  <a:schemeClr val="accent2"/>
+                </a:solidFill>
+                <a:latin typeface="Calibri" panose="020F0502020204030204" pitchFamily="34" charset="0"/>
+                <a:ea typeface="微软雅黑" panose="020B0503020204020204" pitchFamily="34" charset="-122"/>
+                <a:sym typeface="Calibri" panose="020F0502020204030204" pitchFamily="34" charset="0"/>
+              </a:rPr>
+              <a:t>	</a:t>
+            </a:r>
+            <a:r>
+              <a:rPr lang="en-US" altLang="zh-CN" sz="2000" dirty="0">
+                <a:solidFill>
+                  <a:srgbClr val="00B050"/>
+                </a:solidFill>
+                <a:latin typeface="Calibri" panose="020F0502020204030204" pitchFamily="34" charset="0"/>
+                <a:ea typeface="微软雅黑" panose="020B0503020204020204" pitchFamily="34" charset="-122"/>
+                <a:sym typeface="Calibri" panose="020F0502020204030204" pitchFamily="34" charset="0"/>
+              </a:rPr>
+              <a:t>B</a:t>
+            </a:r>
+            <a:r>
+              <a:rPr lang="zh-CN" altLang="en-US" sz="2000" dirty="0">
+                <a:solidFill>
+                  <a:srgbClr val="00B050"/>
+                </a:solidFill>
+                <a:latin typeface="Calibri" panose="020F0502020204030204" pitchFamily="34" charset="0"/>
+                <a:ea typeface="微软雅黑" panose="020B0503020204020204" pitchFamily="34" charset="-122"/>
+                <a:sym typeface="Calibri" panose="020F0502020204030204" pitchFamily="34" charset="0"/>
+              </a:rPr>
+              <a:t>账户的余额增加</a:t>
+            </a:r>
+            <a:r>
+              <a:rPr lang="en-US" altLang="zh-CN" sz="2000" dirty="0">
+                <a:solidFill>
+                  <a:srgbClr val="00B050"/>
+                </a:solidFill>
+                <a:latin typeface="Calibri" panose="020F0502020204030204" pitchFamily="34" charset="0"/>
+                <a:ea typeface="微软雅黑" panose="020B0503020204020204" pitchFamily="34" charset="-122"/>
+                <a:sym typeface="Calibri" panose="020F0502020204030204" pitchFamily="34" charset="0"/>
+              </a:rPr>
+              <a:t>5000</a:t>
+            </a:r>
+            <a:r>
+              <a:rPr lang="zh-CN" altLang="en-US" sz="2000" dirty="0">
+                <a:solidFill>
+                  <a:srgbClr val="00B050"/>
+                </a:solidFill>
+                <a:latin typeface="Calibri" panose="020F0502020204030204" pitchFamily="34" charset="0"/>
+                <a:ea typeface="微软雅黑" panose="020B0503020204020204" pitchFamily="34" charset="-122"/>
+                <a:sym typeface="Calibri" panose="020F0502020204030204" pitchFamily="34" charset="0"/>
+              </a:rPr>
+              <a:t>。</a:t>
+            </a:r>
+            <a:endParaRPr lang="zh-CN" altLang="en-US" sz="2000" dirty="0">
+              <a:solidFill>
+                <a:srgbClr val="00B050"/>
+              </a:solidFill>
+              <a:latin typeface="Calibri" panose="020F0502020204030204" pitchFamily="34" charset="0"/>
+              <a:ea typeface="微软雅黑" panose="020B0503020204020204" pitchFamily="34" charset="-122"/>
+              <a:sym typeface="Calibri" panose="020F0502020204030204" pitchFamily="34" charset="0"/>
+            </a:endParaRPr>
+          </a:p>
+        </p:txBody>
+      </p:sp>
+      <p:sp>
+        <p:nvSpPr>
+          <p:cNvPr id="10" name="文本框 9"/>
+          <p:cNvSpPr txBox="1"/>
+          <p:nvPr/>
+        </p:nvSpPr>
+        <p:spPr>
+          <a:xfrm>
+            <a:off x="3277235" y="5096510"/>
+            <a:ext cx="5638800" cy="891540"/>
+          </a:xfrm>
+          <a:prstGeom prst="rect">
+            <a:avLst/>
+          </a:prstGeom>
+          <a:noFill/>
+        </p:spPr>
+        <p:txBody>
+          <a:bodyPr wrap="square" rtlCol="0">
+            <a:spAutoFit/>
+          </a:bodyPr>
+          <a:p>
+            <a:pPr algn="l">
+              <a:lnSpc>
+                <a:spcPct val="130000"/>
+              </a:lnSpc>
+            </a:pPr>
+            <a:r>
+              <a:rPr lang="zh-CN" sz="2000" dirty="0">
+                <a:solidFill>
+                  <a:schemeClr val="accent2"/>
+                </a:solidFill>
+                <a:latin typeface="Calibri" panose="020F0502020204030204" pitchFamily="34" charset="0"/>
+                <a:ea typeface="微软雅黑" panose="020B0503020204020204" pitchFamily="34" charset="-122"/>
+                <a:sym typeface="Calibri" panose="020F0502020204030204" pitchFamily="34" charset="0"/>
+              </a:rPr>
+              <a:t>我们要保证两个操作要同时执行完成，或者都执行失败，这就是数据库的事务</a:t>
+            </a:r>
+            <a:r>
+              <a:rPr lang="en-US" altLang="zh-CN" sz="2000" dirty="0">
+                <a:solidFill>
+                  <a:schemeClr val="accent2"/>
+                </a:solidFill>
+                <a:latin typeface="Calibri" panose="020F0502020204030204" pitchFamily="34" charset="0"/>
+                <a:ea typeface="微软雅黑" panose="020B0503020204020204" pitchFamily="34" charset="-122"/>
+                <a:sym typeface="Calibri" panose="020F0502020204030204" pitchFamily="34" charset="0"/>
+              </a:rPr>
+              <a:t>(</a:t>
+            </a:r>
+            <a:r>
+              <a:rPr lang="zh-CN" altLang="en-US" sz="2000" dirty="0">
+                <a:solidFill>
+                  <a:schemeClr val="accent2"/>
+                </a:solidFill>
+                <a:latin typeface="Calibri" panose="020F0502020204030204" pitchFamily="34" charset="0"/>
+                <a:ea typeface="微软雅黑" panose="020B0503020204020204" pitchFamily="34" charset="-122"/>
+                <a:sym typeface="Calibri" panose="020F0502020204030204" pitchFamily="34" charset="0"/>
+              </a:rPr>
+              <a:t>即事务的原子性</a:t>
+            </a:r>
+            <a:r>
+              <a:rPr lang="en-US" altLang="zh-CN" sz="2000" dirty="0">
+                <a:solidFill>
+                  <a:schemeClr val="accent2"/>
+                </a:solidFill>
+                <a:latin typeface="Calibri" panose="020F0502020204030204" pitchFamily="34" charset="0"/>
+                <a:ea typeface="微软雅黑" panose="020B0503020204020204" pitchFamily="34" charset="-122"/>
+                <a:sym typeface="Calibri" panose="020F0502020204030204" pitchFamily="34" charset="0"/>
+              </a:rPr>
+              <a:t>)</a:t>
+            </a:r>
+            <a:endParaRPr lang="en-US" altLang="zh-CN" sz="2000" dirty="0">
+              <a:solidFill>
+                <a:schemeClr val="accent2"/>
+              </a:solidFill>
+              <a:latin typeface="Calibri" panose="020F0502020204030204" pitchFamily="34" charset="0"/>
+              <a:ea typeface="微软雅黑" panose="020B0503020204020204" pitchFamily="34" charset="-122"/>
+              <a:sym typeface="Calibri" panose="020F0502020204030204" pitchFamily="34" charset="0"/>
+            </a:endParaRPr>
+          </a:p>
+        </p:txBody>
+      </p:sp>
+      <p:pic>
+        <p:nvPicPr>
+          <p:cNvPr id="11" name="图片占位符 10" descr="timg (2)"/>
+          <p:cNvPicPr>
+            <a:picLocks noChangeAspect="1"/>
+          </p:cNvPicPr>
+          <p:nvPr>
+            <p:ph type="pic" sz="quarter" idx="14"/>
+          </p:nvPr>
+        </p:nvPicPr>
+        <p:blipFill>
+          <a:blip r:embed="rId1"/>
+          <a:srcRect l="11303" t="1224" r="9922" b="-1224"/>
+          <a:stretch>
+            <a:fillRect/>
+          </a:stretch>
+        </p:blipFill>
+        <p:spPr>
+          <a:xfrm>
+            <a:off x="5227320" y="1675130"/>
+            <a:ext cx="1739265" cy="1607820"/>
+          </a:xfrm>
+          <a:prstGeom prst="rect">
+            <a:avLst/>
+          </a:prstGeom>
+        </p:spPr>
+      </p:pic>
     </p:spTree>
   </p:cSld>
   <p:clrMapOvr>
@@ -9451,7 +9841,7 @@
 </p:sld>
 </file>
 
-<file path=ppt/slides/slide20.xml><?xml version="1.0" encoding="utf-8"?>
+<file path=ppt/slides/slide3.xml><?xml version="1.0" encoding="utf-8"?>
 <p:sld xmlns:a="http://schemas.openxmlformats.org/drawingml/2006/main" xmlns:r="http://schemas.openxmlformats.org/officeDocument/2006/relationships" xmlns:p="http://schemas.openxmlformats.org/presentationml/2006/main">
   <p:cSld>
     <p:spTree>
@@ -9470,1148 +9860,14 @@
       </p:grpSpPr>
       <p:sp>
         <p:nvSpPr>
-          <p:cNvPr id="65" name="Rectangle 1"/>
-          <p:cNvSpPr/>
-          <p:nvPr/>
-        </p:nvSpPr>
-        <p:spPr bwMode="auto">
-          <a:xfrm>
-            <a:off x="559435" y="129223"/>
-            <a:ext cx="10505440" cy="430530"/>
-          </a:xfrm>
-          <a:prstGeom prst="rect">
-            <a:avLst/>
-          </a:prstGeom>
-          <a:noFill/>
-          <a:ln>
-            <a:noFill/>
-          </a:ln>
-        </p:spPr>
-        <p:txBody>
-          <a:bodyPr wrap="square" lIns="0" tIns="0" rIns="0" bIns="0" anchor="ctr">
-            <a:spAutoFit/>
-          </a:bodyPr>
-          <a:p>
-            <a:pPr algn="ctr" defTabSz="913765"/>
-            <a:r>
-              <a:rPr lang="en-US" sz="2800" spc="300" dirty="0">
-                <a:solidFill>
-                  <a:srgbClr val="FF0000"/>
-                </a:solidFill>
-                <a:latin typeface="Calibri" panose="020F0502020204030204" pitchFamily="34" charset="0"/>
-                <a:ea typeface="微软雅黑" panose="020B0503020204020204" pitchFamily="34" charset="-122"/>
-                <a:cs typeface="Lato Regular"/>
-                <a:sym typeface="Calibri" panose="020F0502020204030204" pitchFamily="34" charset="0"/>
-              </a:rPr>
-              <a:t>2.3 </a:t>
-            </a:r>
-            <a:r>
-              <a:rPr lang="zh-CN" altLang="en-US" sz="2800" spc="300" dirty="0">
-                <a:solidFill>
-                  <a:srgbClr val="FF0000"/>
-                </a:solidFill>
-                <a:latin typeface="Calibri" panose="020F0502020204030204" pitchFamily="34" charset="0"/>
-                <a:ea typeface="微软雅黑" panose="020B0503020204020204" pitchFamily="34" charset="-122"/>
-                <a:cs typeface="Lato Regular"/>
-                <a:sym typeface="Calibri" panose="020F0502020204030204" pitchFamily="34" charset="0"/>
-              </a:rPr>
-              <a:t>多版本并发控制</a:t>
-            </a:r>
-            <a:endParaRPr lang="zh-CN" altLang="en-US" sz="2800" spc="300" dirty="0">
-              <a:solidFill>
-                <a:srgbClr val="FF0000"/>
-              </a:solidFill>
-              <a:latin typeface="Calibri" panose="020F0502020204030204" pitchFamily="34" charset="0"/>
-              <a:ea typeface="微软雅黑" panose="020B0503020204020204" pitchFamily="34" charset="-122"/>
-              <a:cs typeface="Lato Regular"/>
-              <a:sym typeface="Calibri" panose="020F0502020204030204" pitchFamily="34" charset="0"/>
-            </a:endParaRPr>
-          </a:p>
-        </p:txBody>
-      </p:sp>
-      <p:pic>
-        <p:nvPicPr>
-          <p:cNvPr id="2" name="图片 1"/>
-          <p:cNvPicPr>
-            <a:picLocks noChangeAspect="1"/>
-          </p:cNvPicPr>
-          <p:nvPr/>
-        </p:nvPicPr>
-        <p:blipFill>
-          <a:blip r:embed="rId1"/>
-          <a:stretch>
-            <a:fillRect/>
-          </a:stretch>
-        </p:blipFill>
-        <p:spPr>
-          <a:xfrm>
-            <a:off x="558800" y="1117600"/>
-            <a:ext cx="11074400" cy="4622800"/>
-          </a:xfrm>
-          <a:prstGeom prst="rect">
-            <a:avLst/>
-          </a:prstGeom>
-        </p:spPr>
-      </p:pic>
-      <p:sp>
-        <p:nvSpPr>
-          <p:cNvPr id="3" name="文本框 2"/>
-          <p:cNvSpPr txBox="1"/>
-          <p:nvPr/>
-        </p:nvSpPr>
-        <p:spPr>
-          <a:xfrm>
-            <a:off x="826770" y="749300"/>
-            <a:ext cx="10537825" cy="368300"/>
-          </a:xfrm>
-          <a:prstGeom prst="rect">
-            <a:avLst/>
-          </a:prstGeom>
-          <a:noFill/>
-        </p:spPr>
-        <p:txBody>
-          <a:bodyPr wrap="square" rtlCol="0" anchor="t">
-            <a:spAutoFit/>
-          </a:bodyPr>
-          <a:p>
-            <a:pPr algn="ctr" defTabSz="913765"/>
-            <a:r>
-              <a:rPr lang="en-US" spc="300" dirty="0">
-                <a:solidFill>
-                  <a:schemeClr val="tx1">
-                    <a:lumMod val="50000"/>
-                  </a:schemeClr>
-                </a:solidFill>
-                <a:latin typeface="Calibri" panose="020F0502020204030204" pitchFamily="34" charset="0"/>
-                <a:ea typeface="微软雅黑" panose="020B0503020204020204" pitchFamily="34" charset="-122"/>
-                <a:cs typeface="Lato Regular"/>
-                <a:sym typeface="Calibri" panose="020F0502020204030204" pitchFamily="34" charset="0"/>
-              </a:rPr>
-              <a:t> </a:t>
-            </a:r>
-            <a:r>
-              <a:rPr lang="en-US" altLang="zh-CN" spc="300" dirty="0">
-                <a:solidFill>
-                  <a:schemeClr val="tx1">
-                    <a:lumMod val="50000"/>
-                  </a:schemeClr>
-                </a:solidFill>
-                <a:latin typeface="Calibri" panose="020F0502020204030204" pitchFamily="34" charset="0"/>
-                <a:ea typeface="微软雅黑" panose="020B0503020204020204" pitchFamily="34" charset="-122"/>
-                <a:cs typeface="Lato Regular"/>
-                <a:sym typeface="Calibri" panose="020F0502020204030204" pitchFamily="34" charset="0"/>
-              </a:rPr>
-              <a:t>MVCC(Multi Version Concurrency Control)</a:t>
-            </a:r>
-            <a:endParaRPr lang="zh-CN" altLang="en-US"/>
-          </a:p>
-        </p:txBody>
-      </p:sp>
-    </p:spTree>
-  </p:cSld>
-  <p:clrMapOvr>
-    <a:masterClrMapping/>
-  </p:clrMapOvr>
-  <p:transition spd="slow">
-    <p:wipe/>
-  </p:transition>
-  <p:timing>
-    <p:tnLst>
-      <p:par>
-        <p:cTn id="1" dur="indefinite" restart="never" nodeType="tmRoot"/>
-      </p:par>
-    </p:tnLst>
-  </p:timing>
-</p:sld>
-</file>
-
-<file path=ppt/slides/slide21.xml><?xml version="1.0" encoding="utf-8"?>
-<p:sld xmlns:a="http://schemas.openxmlformats.org/drawingml/2006/main" xmlns:r="http://schemas.openxmlformats.org/officeDocument/2006/relationships" xmlns:p="http://schemas.openxmlformats.org/presentationml/2006/main">
-  <p:cSld>
-    <p:spTree>
-      <p:nvGrpSpPr>
-        <p:cNvPr id="1" name=""/>
-        <p:cNvGrpSpPr/>
-        <p:nvPr/>
-      </p:nvGrpSpPr>
-      <p:grpSpPr>
-        <a:xfrm>
-          <a:off x="0" y="0"/>
-          <a:ext cx="0" cy="0"/>
-          <a:chOff x="0" y="0"/>
-          <a:chExt cx="0" cy="0"/>
-        </a:xfrm>
-      </p:grpSpPr>
-      <p:pic>
-        <p:nvPicPr>
-          <p:cNvPr id="5" name="图片 4"/>
-          <p:cNvPicPr>
-            <a:picLocks noChangeAspect="1"/>
-          </p:cNvPicPr>
-          <p:nvPr/>
-        </p:nvPicPr>
-        <p:blipFill>
-          <a:blip r:embed="rId1"/>
-          <a:stretch>
-            <a:fillRect/>
-          </a:stretch>
-        </p:blipFill>
-        <p:spPr>
-          <a:xfrm>
-            <a:off x="2947035" y="971550"/>
-            <a:ext cx="5842000" cy="4914900"/>
-          </a:xfrm>
-          <a:prstGeom prst="rect">
-            <a:avLst/>
-          </a:prstGeom>
-        </p:spPr>
-      </p:pic>
-    </p:spTree>
-  </p:cSld>
-  <p:clrMapOvr>
-    <a:masterClrMapping/>
-  </p:clrMapOvr>
-  <p:transition spd="slow">
-    <p:wipe/>
-  </p:transition>
-</p:sld>
-</file>
-
-<file path=ppt/slides/slide22.xml><?xml version="1.0" encoding="utf-8"?>
-<p:sld xmlns:a="http://schemas.openxmlformats.org/drawingml/2006/main" xmlns:r="http://schemas.openxmlformats.org/officeDocument/2006/relationships" xmlns:p="http://schemas.openxmlformats.org/presentationml/2006/main">
-  <p:cSld>
-    <p:spTree>
-      <p:nvGrpSpPr>
-        <p:cNvPr id="1" name=""/>
-        <p:cNvGrpSpPr/>
-        <p:nvPr/>
-      </p:nvGrpSpPr>
-      <p:grpSpPr>
-        <a:xfrm>
-          <a:off x="0" y="0"/>
-          <a:ext cx="0" cy="0"/>
-          <a:chOff x="0" y="0"/>
-          <a:chExt cx="0" cy="0"/>
-        </a:xfrm>
-      </p:grpSpPr>
-      <p:sp>
-        <p:nvSpPr>
-          <p:cNvPr id="50" name="Rectangle 1"/>
-          <p:cNvSpPr/>
-          <p:nvPr/>
-        </p:nvSpPr>
-        <p:spPr bwMode="auto">
-          <a:xfrm>
-            <a:off x="3945890" y="249409"/>
-            <a:ext cx="4300220" cy="430530"/>
-          </a:xfrm>
-          <a:prstGeom prst="rect">
-            <a:avLst/>
-          </a:prstGeom>
-          <a:noFill/>
-          <a:ln>
-            <a:noFill/>
-          </a:ln>
-        </p:spPr>
-        <p:txBody>
-          <a:bodyPr wrap="none" lIns="0" tIns="0" rIns="0" bIns="0" anchor="ctr">
-            <a:spAutoFit/>
-          </a:bodyPr>
-          <a:lstStyle/>
-          <a:p>
-            <a:pPr algn="ctr" defTabSz="913765"/>
-            <a:r>
-              <a:rPr lang="en-US" altLang="zh-CN" sz="2800" spc="300" dirty="0">
-                <a:solidFill>
-                  <a:srgbClr val="FF0000"/>
-                </a:solidFill>
-                <a:latin typeface="Calibri" panose="020F0502020204030204" pitchFamily="34" charset="0"/>
-                <a:ea typeface="微软雅黑" panose="020B0503020204020204" pitchFamily="34" charset="-122"/>
-                <a:cs typeface="Lato Regular"/>
-                <a:sym typeface="Calibri" panose="020F0502020204030204" pitchFamily="34" charset="0"/>
-              </a:rPr>
-              <a:t>2.4 </a:t>
-            </a:r>
-            <a:r>
-              <a:rPr lang="zh-CN" altLang="en-US" sz="2800" spc="300" dirty="0">
-                <a:solidFill>
-                  <a:srgbClr val="FF0000"/>
-                </a:solidFill>
-                <a:latin typeface="Calibri" panose="020F0502020204030204" pitchFamily="34" charset="0"/>
-                <a:ea typeface="微软雅黑" panose="020B0503020204020204" pitchFamily="34" charset="-122"/>
-                <a:cs typeface="Lato Regular"/>
-                <a:sym typeface="Calibri" panose="020F0502020204030204" pitchFamily="34" charset="0"/>
-              </a:rPr>
-              <a:t>MVCC</a:t>
-            </a:r>
-            <a:r>
-              <a:rPr lang="zh-CN" altLang="en-US" sz="2800" spc="300" dirty="0">
-                <a:solidFill>
-                  <a:srgbClr val="FF0000"/>
-                </a:solidFill>
-                <a:latin typeface="Calibri" panose="020F0502020204030204" pitchFamily="34" charset="0"/>
-                <a:ea typeface="微软雅黑" panose="020B0503020204020204" pitchFamily="34" charset="-122"/>
-                <a:cs typeface="Lato Regular"/>
-                <a:sym typeface="+mn-ea"/>
-              </a:rPr>
-              <a:t>如何解决幻读</a:t>
-            </a:r>
-            <a:endParaRPr lang="zh-CN" altLang="en-US" sz="2800" spc="300" dirty="0">
-              <a:solidFill>
-                <a:srgbClr val="FF0000"/>
-              </a:solidFill>
-              <a:latin typeface="Calibri" panose="020F0502020204030204" pitchFamily="34" charset="0"/>
-              <a:ea typeface="微软雅黑" panose="020B0503020204020204" pitchFamily="34" charset="-122"/>
-              <a:cs typeface="Lato Regular"/>
-              <a:sym typeface="+mn-ea"/>
-            </a:endParaRPr>
-          </a:p>
-        </p:txBody>
-      </p:sp>
-      <p:sp>
-        <p:nvSpPr>
-          <p:cNvPr id="3" name="文本框 2"/>
-          <p:cNvSpPr txBox="1"/>
-          <p:nvPr/>
-        </p:nvSpPr>
-        <p:spPr>
-          <a:xfrm>
-            <a:off x="1411605" y="929640"/>
-            <a:ext cx="9514205" cy="2584450"/>
-          </a:xfrm>
-          <a:prstGeom prst="rect">
-            <a:avLst/>
-          </a:prstGeom>
-          <a:noFill/>
-        </p:spPr>
-        <p:txBody>
-          <a:bodyPr wrap="square" rtlCol="0" anchor="t">
-            <a:spAutoFit/>
-          </a:bodyPr>
-          <a:p>
-            <a:endParaRPr lang="zh-CN" altLang="en-US"/>
-          </a:p>
-          <a:p>
-            <a:r>
-              <a:rPr lang="zh-CN" altLang="en-US"/>
-              <a:t>MVCC 解决幻读的时候使用了间隙锁，也就是 next-key lock，这部分就要先从 InnoDB 的三种行锁说起：</a:t>
-            </a:r>
-            <a:endParaRPr lang="zh-CN" altLang="en-US"/>
-          </a:p>
-          <a:p>
-            <a:endParaRPr lang="zh-CN" altLang="en-US"/>
-          </a:p>
-          <a:p>
-            <a:r>
-              <a:rPr lang="zh-CN" altLang="en-US"/>
-              <a:t>Record Lock：单个行记录上的锁，锁住的是索引</a:t>
-            </a:r>
-            <a:endParaRPr lang="zh-CN" altLang="en-US"/>
-          </a:p>
-          <a:p>
-            <a:r>
-              <a:rPr lang="zh-CN" altLang="en-US"/>
-              <a:t>Gap Lock：区间锁，锁定一个区间范围，但不包括记录本身，开区间</a:t>
-            </a:r>
-            <a:endParaRPr lang="zh-CN" altLang="en-US"/>
-          </a:p>
-          <a:p>
-            <a:r>
-              <a:rPr lang="zh-CN" altLang="en-US"/>
-              <a:t>Next-Key Lock：间隙锁，Record Lock + Gap Lock</a:t>
-            </a:r>
-            <a:endParaRPr lang="zh-CN" altLang="en-US"/>
-          </a:p>
-          <a:p>
-            <a:endParaRPr lang="zh-CN" altLang="en-US"/>
-          </a:p>
-          <a:p>
-            <a:r>
-              <a:rPr lang="zh-CN" altLang="en-US"/>
-              <a:t>尽量使用唯一索引,因为唯一索引会把Next-Key Lock降级为Record Lock</a:t>
-            </a:r>
-            <a:endParaRPr lang="zh-CN" altLang="en-US"/>
-          </a:p>
-        </p:txBody>
-      </p:sp>
-      <p:pic>
-        <p:nvPicPr>
-          <p:cNvPr id="4" name="图片 3"/>
-          <p:cNvPicPr>
-            <a:picLocks noChangeAspect="1"/>
-          </p:cNvPicPr>
-          <p:nvPr/>
-        </p:nvPicPr>
-        <p:blipFill>
-          <a:blip r:embed="rId1"/>
-          <a:stretch>
-            <a:fillRect/>
-          </a:stretch>
-        </p:blipFill>
-        <p:spPr>
-          <a:xfrm>
-            <a:off x="1562100" y="4067810"/>
-            <a:ext cx="8555355" cy="2757805"/>
-          </a:xfrm>
-          <a:prstGeom prst="rect">
-            <a:avLst/>
-          </a:prstGeom>
-        </p:spPr>
-      </p:pic>
-    </p:spTree>
-  </p:cSld>
-  <p:clrMapOvr>
-    <a:masterClrMapping/>
-  </p:clrMapOvr>
-  <p:transition spd="slow">
-    <p:wipe/>
-  </p:transition>
-  <p:timing>
-    <p:tnLst>
-      <p:par>
-        <p:cTn id="1" dur="indefinite" restart="never" nodeType="tmRoot"/>
-      </p:par>
-    </p:tnLst>
-  </p:timing>
-</p:sld>
-</file>
-
-<file path=ppt/slides/slide23.xml><?xml version="1.0" encoding="utf-8"?>
-<p:sld xmlns:a="http://schemas.openxmlformats.org/drawingml/2006/main" xmlns:r="http://schemas.openxmlformats.org/officeDocument/2006/relationships" xmlns:p="http://schemas.openxmlformats.org/presentationml/2006/main">
-  <p:cSld>
-    <p:spTree>
-      <p:nvGrpSpPr>
-        <p:cNvPr id="1" name=""/>
-        <p:cNvGrpSpPr/>
-        <p:nvPr/>
-      </p:nvGrpSpPr>
-      <p:grpSpPr/>
-      <p:sp>
-        <p:nvSpPr>
-          <p:cNvPr id="8" name="文本框 7"/>
-          <p:cNvSpPr txBox="1"/>
-          <p:nvPr/>
-        </p:nvSpPr>
-        <p:spPr>
-          <a:xfrm>
-            <a:off x="1924685" y="1182370"/>
-            <a:ext cx="8342630" cy="4307840"/>
-          </a:xfrm>
-          <a:prstGeom prst="rect">
-            <a:avLst/>
-          </a:prstGeom>
-          <a:noFill/>
-        </p:spPr>
-        <p:txBody>
-          <a:bodyPr wrap="square" rtlCol="0" anchor="t">
-            <a:spAutoFit/>
-          </a:bodyPr>
-          <a:p>
-            <a:r>
-              <a:rPr lang="zh-CN" altLang="en-US" sz="3200"/>
-              <a:t>总结：在mysql中，提供了两种事务隔离技术，第一个是mvcc，第二个是next-key技术。这个在使用不同的语句的时候可以动态选择。不加lock inshare mode之类的快照读就使用mvcc。否则 当前读使用next-key。mvcc的优势是不加锁，并发性高。缺点是不是实时数据。next-key的优势是获取实时数据，但是需要加锁。</a:t>
-            </a:r>
-            <a:endParaRPr lang="zh-CN" altLang="en-US"/>
-          </a:p>
-          <a:p>
-            <a:endParaRPr lang="zh-CN" altLang="en-US"/>
-          </a:p>
-        </p:txBody>
-      </p:sp>
-    </p:spTree>
-  </p:cSld>
-  <p:clrMapOvr>
-    <a:masterClrMapping/>
-  </p:clrMapOvr>
-  <mc:AlternateContent xmlns:mc="http://schemas.openxmlformats.org/markup-compatibility/2006">
-    <mc:Choice xmlns:p14="http://schemas.microsoft.com/office/powerpoint/2010/main" Requires="p14">
-      <p:transition p14:dur="700"/>
-    </mc:Choice>
-    <mc:Fallback>
-      <p:transition/>
-    </mc:Fallback>
-  </mc:AlternateContent>
-</p:sld>
-</file>
-
-<file path=ppt/slides/slide24.xml><?xml version="1.0" encoding="utf-8"?>
-<p:sld xmlns:a="http://schemas.openxmlformats.org/drawingml/2006/main" xmlns:r="http://schemas.openxmlformats.org/officeDocument/2006/relationships" xmlns:p="http://schemas.openxmlformats.org/presentationml/2006/main">
-  <p:cSld>
-    <p:spTree>
-      <p:nvGrpSpPr>
-        <p:cNvPr id="1" name=""/>
-        <p:cNvGrpSpPr/>
-        <p:nvPr/>
-      </p:nvGrpSpPr>
-      <p:grpSpPr/>
-      <p:sp>
-        <p:nvSpPr>
-          <p:cNvPr id="2" name="文本框 1"/>
-          <p:cNvSpPr txBox="1"/>
-          <p:nvPr/>
-        </p:nvSpPr>
-        <p:spPr>
-          <a:xfrm>
-            <a:off x="1115695" y="198120"/>
-            <a:ext cx="9380855" cy="5354320"/>
-          </a:xfrm>
-          <a:prstGeom prst="rect">
-            <a:avLst/>
-          </a:prstGeom>
-          <a:noFill/>
-        </p:spPr>
-        <p:txBody>
-          <a:bodyPr wrap="square" rtlCol="0" anchor="t">
-            <a:spAutoFit/>
-          </a:bodyPr>
-          <a:p>
-            <a:r>
-              <a:rPr lang="zh-CN" altLang="en-US"/>
-              <a:t>Read Uncommited</a:t>
-            </a:r>
-            <a:endParaRPr lang="zh-CN" altLang="en-US"/>
-          </a:p>
-          <a:p>
-            <a:r>
-              <a:rPr lang="zh-CN" altLang="en-US"/>
-              <a:t>可以读取未提交记录。此隔离级别，不会使用，忽略。</a:t>
-            </a:r>
-            <a:endParaRPr lang="zh-CN" altLang="en-US"/>
-          </a:p>
-          <a:p>
-            <a:endParaRPr lang="zh-CN" altLang="en-US"/>
-          </a:p>
-          <a:p>
-            <a:r>
-              <a:rPr lang="zh-CN" altLang="en-US"/>
-              <a:t>Read Committed (RC)</a:t>
-            </a:r>
-            <a:endParaRPr lang="zh-CN" altLang="en-US"/>
-          </a:p>
-          <a:p>
-            <a:r>
-              <a:rPr lang="zh-CN" altLang="en-US"/>
-              <a:t>快照读忽略，本文不考虑。</a:t>
-            </a:r>
-            <a:endParaRPr lang="zh-CN" altLang="en-US"/>
-          </a:p>
-          <a:p>
-            <a:endParaRPr lang="zh-CN" altLang="en-US"/>
-          </a:p>
-          <a:p>
-            <a:r>
-              <a:rPr lang="zh-CN" altLang="en-US"/>
-              <a:t>针对当前读，RC隔离级别保证对读取到的记录加锁 (记录锁)，存在幻读现象。</a:t>
-            </a:r>
-            <a:endParaRPr lang="zh-CN" altLang="en-US"/>
-          </a:p>
-          <a:p>
-            <a:endParaRPr lang="zh-CN" altLang="en-US"/>
-          </a:p>
-          <a:p>
-            <a:r>
-              <a:rPr lang="zh-CN" altLang="en-US"/>
-              <a:t>Repeatable Read (RR)</a:t>
-            </a:r>
-            <a:endParaRPr lang="zh-CN" altLang="en-US"/>
-          </a:p>
-          <a:p>
-            <a:r>
-              <a:rPr lang="zh-CN" altLang="en-US"/>
-              <a:t>快照读忽略，本文不考虑。</a:t>
-            </a:r>
-            <a:endParaRPr lang="zh-CN" altLang="en-US"/>
-          </a:p>
-          <a:p>
-            <a:endParaRPr lang="zh-CN" altLang="en-US"/>
-          </a:p>
-          <a:p>
-            <a:r>
-              <a:rPr lang="zh-CN" altLang="en-US"/>
-              <a:t>针对当前读，RR隔离级别保证对读取到的记录加锁 (记录锁)，同时保证对读取的范围加锁，新的满足查询条件的记录不能够插入 (间隙锁)，不存在幻读现象。</a:t>
-            </a:r>
-            <a:endParaRPr lang="zh-CN" altLang="en-US"/>
-          </a:p>
-          <a:p>
-            <a:endParaRPr lang="zh-CN" altLang="en-US"/>
-          </a:p>
-          <a:p>
-            <a:r>
-              <a:rPr lang="zh-CN" altLang="en-US"/>
-              <a:t>Serializable</a:t>
-            </a:r>
-            <a:endParaRPr lang="zh-CN" altLang="en-US"/>
-          </a:p>
-          <a:p>
-            <a:r>
-              <a:rPr lang="zh-CN" altLang="en-US"/>
-              <a:t>从MVCC并发控制退化为基于锁的并发控制。不区别快照读与当前读，所有的读操作均为当前读，读加读锁 (S锁)，写加写锁 (X锁)。</a:t>
-            </a:r>
-            <a:endParaRPr lang="zh-CN" altLang="en-US"/>
-          </a:p>
-          <a:p>
-            <a:endParaRPr lang="zh-CN" altLang="en-US"/>
-          </a:p>
-          <a:p>
-            <a:r>
-              <a:rPr lang="zh-CN" altLang="en-US"/>
-              <a:t>Serializable隔离级别下，读写冲突，因此并发度急剧下降，在MySQL/InnoDB下不建议使用。</a:t>
-            </a:r>
-            <a:endParaRPr lang="zh-CN" altLang="en-US"/>
-          </a:p>
-        </p:txBody>
-      </p:sp>
-    </p:spTree>
-  </p:cSld>
-  <p:clrMapOvr>
-    <a:masterClrMapping/>
-  </p:clrMapOvr>
-</p:sld>
-</file>
-
-<file path=ppt/slides/slide3.xml><?xml version="1.0" encoding="utf-8"?>
-<p:sld xmlns:a="http://schemas.openxmlformats.org/drawingml/2006/main" xmlns:r="http://schemas.openxmlformats.org/officeDocument/2006/relationships" xmlns:p="http://schemas.openxmlformats.org/presentationml/2006/main">
-  <p:cSld>
-    <p:spTree>
-      <p:nvGrpSpPr>
-        <p:cNvPr id="1" name=""/>
-        <p:cNvGrpSpPr/>
-        <p:nvPr/>
-      </p:nvGrpSpPr>
-      <p:grpSpPr/>
-      <p:pic>
-        <p:nvPicPr>
-          <p:cNvPr id="17" name="图片 16"/>
-          <p:cNvPicPr>
-            <a:picLocks noChangeAspect="1"/>
-          </p:cNvPicPr>
-          <p:nvPr/>
-        </p:nvPicPr>
-        <p:blipFill>
-          <a:blip r:embed="rId1"/>
-          <a:stretch>
-            <a:fillRect/>
-          </a:stretch>
-        </p:blipFill>
-        <p:spPr>
-          <a:xfrm>
-            <a:off x="2593340" y="1056640"/>
-            <a:ext cx="2658745" cy="2501265"/>
-          </a:xfrm>
-          <a:prstGeom prst="rect">
-            <a:avLst/>
-          </a:prstGeom>
-        </p:spPr>
-      </p:pic>
-      <p:pic>
-        <p:nvPicPr>
-          <p:cNvPr id="18" name="图片 17"/>
-          <p:cNvPicPr>
-            <a:picLocks noChangeAspect="1"/>
-          </p:cNvPicPr>
-          <p:nvPr/>
-        </p:nvPicPr>
-        <p:blipFill>
-          <a:blip r:embed="rId2"/>
-          <a:stretch>
-            <a:fillRect/>
-          </a:stretch>
-        </p:blipFill>
-        <p:spPr>
-          <a:xfrm>
-            <a:off x="2593340" y="4001770"/>
-            <a:ext cx="2658745" cy="2501900"/>
-          </a:xfrm>
-          <a:prstGeom prst="rect">
-            <a:avLst/>
-          </a:prstGeom>
-        </p:spPr>
-      </p:pic>
-      <p:pic>
-        <p:nvPicPr>
-          <p:cNvPr id="19" name="图片 18"/>
-          <p:cNvPicPr>
-            <a:picLocks noChangeAspect="1"/>
-          </p:cNvPicPr>
-          <p:nvPr/>
-        </p:nvPicPr>
-        <p:blipFill>
-          <a:blip r:embed="rId3"/>
-          <a:stretch>
-            <a:fillRect/>
-          </a:stretch>
-        </p:blipFill>
-        <p:spPr>
-          <a:xfrm>
-            <a:off x="6149975" y="1056640"/>
-            <a:ext cx="2820670" cy="2501265"/>
-          </a:xfrm>
-          <a:prstGeom prst="rect">
-            <a:avLst/>
-          </a:prstGeom>
-        </p:spPr>
-      </p:pic>
-      <p:pic>
-        <p:nvPicPr>
-          <p:cNvPr id="20" name="图片 19"/>
-          <p:cNvPicPr>
-            <a:picLocks noChangeAspect="1"/>
-          </p:cNvPicPr>
-          <p:nvPr/>
-        </p:nvPicPr>
-        <p:blipFill>
-          <a:blip r:embed="rId4"/>
-          <a:stretch>
-            <a:fillRect/>
-          </a:stretch>
-        </p:blipFill>
-        <p:spPr>
-          <a:xfrm>
-            <a:off x="6149975" y="4001770"/>
-            <a:ext cx="2821305" cy="2501900"/>
-          </a:xfrm>
-          <a:prstGeom prst="rect">
-            <a:avLst/>
-          </a:prstGeom>
-        </p:spPr>
-      </p:pic>
-    </p:spTree>
-  </p:cSld>
-  <p:clrMapOvr>
-    <a:masterClrMapping/>
-  </p:clrMapOvr>
-  <mc:AlternateContent xmlns:mc="http://schemas.openxmlformats.org/markup-compatibility/2006">
-    <mc:Choice xmlns:p14="http://schemas.microsoft.com/office/powerpoint/2010/main" Requires="p14">
-      <p:transition p14:dur="700"/>
-    </mc:Choice>
-    <mc:Fallback>
-      <p:transition/>
-    </mc:Fallback>
-  </mc:AlternateContent>
-  <p:timing>
-    <p:tnLst>
-      <p:par>
-        <p:cTn id="1" dur="indefinite" restart="never" nodeType="tmRoot">
-          <p:childTnLst>
-            <p:seq concurrent="1" nextAc="seek">
-              <p:cTn id="2" dur="indefinite" nodeType="mainSeq">
-                <p:childTnLst>
-                  <p:par>
-                    <p:cTn id="3" fill="hold">
-                      <p:stCondLst>
-                        <p:cond delay="indefinite"/>
-                      </p:stCondLst>
-                      <p:childTnLst>
-                        <p:par>
-                          <p:cTn id="4" fill="hold">
-                            <p:stCondLst>
-                              <p:cond delay="0"/>
-                            </p:stCondLst>
-                            <p:childTnLst>
-                              <p:par>
-                                <p:cTn id="5" presetID="2" presetClass="entr" presetSubtype="4" fill="hold" nodeType="clickEffect">
-                                  <p:stCondLst>
-                                    <p:cond delay="0"/>
-                                  </p:stCondLst>
-                                  <p:childTnLst>
-                                    <p:set>
-                                      <p:cBhvr>
-                                        <p:cTn id="6" dur="1" fill="hold">
-                                          <p:stCondLst>
-                                            <p:cond delay="0"/>
-                                          </p:stCondLst>
-                                        </p:cTn>
-                                        <p:tgtEl>
-                                          <p:spTgt spid="17"/>
-                                        </p:tgtEl>
-                                        <p:attrNameLst>
-                                          <p:attrName>style.visibility</p:attrName>
-                                        </p:attrNameLst>
-                                      </p:cBhvr>
-                                      <p:to>
-                                        <p:strVal val="visible"/>
-                                      </p:to>
-                                    </p:set>
-                                    <p:anim calcmode="lin" valueType="num">
-                                      <p:cBhvr additive="base">
-                                        <p:cTn id="7" dur="500" fill="hold"/>
-                                        <p:tgtEl>
-                                          <p:spTgt spid="17"/>
-                                        </p:tgtEl>
-                                        <p:attrNameLst>
-                                          <p:attrName>ppt_x</p:attrName>
-                                        </p:attrNameLst>
-                                      </p:cBhvr>
-                                      <p:tavLst>
-                                        <p:tav tm="0">
-                                          <p:val>
-                                            <p:strVal val="#ppt_x"/>
-                                          </p:val>
-                                        </p:tav>
-                                        <p:tav tm="100000">
-                                          <p:val>
-                                            <p:strVal val="#ppt_x"/>
-                                          </p:val>
-                                        </p:tav>
-                                      </p:tavLst>
-                                    </p:anim>
-                                    <p:anim calcmode="lin" valueType="num">
-                                      <p:cBhvr additive="base">
-                                        <p:cTn id="8" dur="500" fill="hold"/>
-                                        <p:tgtEl>
-                                          <p:spTgt spid="17"/>
-                                        </p:tgtEl>
-                                        <p:attrNameLst>
-                                          <p:attrName>ppt_y</p:attrName>
-                                        </p:attrNameLst>
-                                      </p:cBhvr>
-                                      <p:tavLst>
-                                        <p:tav tm="0">
-                                          <p:val>
-                                            <p:strVal val="1+#ppt_h/2"/>
-                                          </p:val>
-                                        </p:tav>
-                                        <p:tav tm="100000">
-                                          <p:val>
-                                            <p:strVal val="#ppt_y"/>
-                                          </p:val>
-                                        </p:tav>
-                                      </p:tavLst>
-                                    </p:anim>
-                                  </p:childTnLst>
-                                </p:cTn>
-                              </p:par>
-                            </p:childTnLst>
-                          </p:cTn>
-                        </p:par>
-                      </p:childTnLst>
-                    </p:cTn>
-                  </p:par>
-                  <p:par>
-                    <p:cTn id="9" fill="hold">
-                      <p:stCondLst>
-                        <p:cond delay="indefinite"/>
-                      </p:stCondLst>
-                      <p:childTnLst>
-                        <p:par>
-                          <p:cTn id="10" fill="hold">
-                            <p:stCondLst>
-                              <p:cond delay="0"/>
-                            </p:stCondLst>
-                            <p:childTnLst>
-                              <p:par>
-                                <p:cTn id="11" presetID="2" presetClass="entr" presetSubtype="4" fill="hold" nodeType="clickEffect">
-                                  <p:stCondLst>
-                                    <p:cond delay="0"/>
-                                  </p:stCondLst>
-                                  <p:childTnLst>
-                                    <p:set>
-                                      <p:cBhvr>
-                                        <p:cTn id="12" dur="1" fill="hold">
-                                          <p:stCondLst>
-                                            <p:cond delay="0"/>
-                                          </p:stCondLst>
-                                        </p:cTn>
-                                        <p:tgtEl>
-                                          <p:spTgt spid="19"/>
-                                        </p:tgtEl>
-                                        <p:attrNameLst>
-                                          <p:attrName>style.visibility</p:attrName>
-                                        </p:attrNameLst>
-                                      </p:cBhvr>
-                                      <p:to>
-                                        <p:strVal val="visible"/>
-                                      </p:to>
-                                    </p:set>
-                                    <p:anim calcmode="lin" valueType="num">
-                                      <p:cBhvr additive="base">
-                                        <p:cTn id="13" dur="500" fill="hold"/>
-                                        <p:tgtEl>
-                                          <p:spTgt spid="19"/>
-                                        </p:tgtEl>
-                                        <p:attrNameLst>
-                                          <p:attrName>ppt_x</p:attrName>
-                                        </p:attrNameLst>
-                                      </p:cBhvr>
-                                      <p:tavLst>
-                                        <p:tav tm="0">
-                                          <p:val>
-                                            <p:strVal val="#ppt_x"/>
-                                          </p:val>
-                                        </p:tav>
-                                        <p:tav tm="100000">
-                                          <p:val>
-                                            <p:strVal val="#ppt_x"/>
-                                          </p:val>
-                                        </p:tav>
-                                      </p:tavLst>
-                                    </p:anim>
-                                    <p:anim calcmode="lin" valueType="num">
-                                      <p:cBhvr additive="base">
-                                        <p:cTn id="14" dur="500" fill="hold"/>
-                                        <p:tgtEl>
-                                          <p:spTgt spid="19"/>
-                                        </p:tgtEl>
-                                        <p:attrNameLst>
-                                          <p:attrName>ppt_y</p:attrName>
-                                        </p:attrNameLst>
-                                      </p:cBhvr>
-                                      <p:tavLst>
-                                        <p:tav tm="0">
-                                          <p:val>
-                                            <p:strVal val="1+#ppt_h/2"/>
-                                          </p:val>
-                                        </p:tav>
-                                        <p:tav tm="100000">
-                                          <p:val>
-                                            <p:strVal val="#ppt_y"/>
-                                          </p:val>
-                                        </p:tav>
-                                      </p:tavLst>
-                                    </p:anim>
-                                  </p:childTnLst>
-                                </p:cTn>
-                              </p:par>
-                            </p:childTnLst>
-                          </p:cTn>
-                        </p:par>
-                      </p:childTnLst>
-                    </p:cTn>
-                  </p:par>
-                  <p:par>
-                    <p:cTn id="15" fill="hold">
-                      <p:stCondLst>
-                        <p:cond delay="indefinite"/>
-                      </p:stCondLst>
-                      <p:childTnLst>
-                        <p:par>
-                          <p:cTn id="16" fill="hold">
-                            <p:stCondLst>
-                              <p:cond delay="0"/>
-                            </p:stCondLst>
-                            <p:childTnLst>
-                              <p:par>
-                                <p:cTn id="17" presetID="2" presetClass="entr" presetSubtype="4" fill="hold" nodeType="clickEffect">
-                                  <p:stCondLst>
-                                    <p:cond delay="0"/>
-                                  </p:stCondLst>
-                                  <p:childTnLst>
-                                    <p:set>
-                                      <p:cBhvr>
-                                        <p:cTn id="18" dur="1" fill="hold">
-                                          <p:stCondLst>
-                                            <p:cond delay="0"/>
-                                          </p:stCondLst>
-                                        </p:cTn>
-                                        <p:tgtEl>
-                                          <p:spTgt spid="18"/>
-                                        </p:tgtEl>
-                                        <p:attrNameLst>
-                                          <p:attrName>style.visibility</p:attrName>
-                                        </p:attrNameLst>
-                                      </p:cBhvr>
-                                      <p:to>
-                                        <p:strVal val="visible"/>
-                                      </p:to>
-                                    </p:set>
-                                    <p:anim calcmode="lin" valueType="num">
-                                      <p:cBhvr additive="base">
-                                        <p:cTn id="19" dur="500" fill="hold"/>
-                                        <p:tgtEl>
-                                          <p:spTgt spid="18"/>
-                                        </p:tgtEl>
-                                        <p:attrNameLst>
-                                          <p:attrName>ppt_x</p:attrName>
-                                        </p:attrNameLst>
-                                      </p:cBhvr>
-                                      <p:tavLst>
-                                        <p:tav tm="0">
-                                          <p:val>
-                                            <p:strVal val="#ppt_x"/>
-                                          </p:val>
-                                        </p:tav>
-                                        <p:tav tm="100000">
-                                          <p:val>
-                                            <p:strVal val="#ppt_x"/>
-                                          </p:val>
-                                        </p:tav>
-                                      </p:tavLst>
-                                    </p:anim>
-                                    <p:anim calcmode="lin" valueType="num">
-                                      <p:cBhvr additive="base">
-                                        <p:cTn id="20" dur="500" fill="hold"/>
-                                        <p:tgtEl>
-                                          <p:spTgt spid="18"/>
-                                        </p:tgtEl>
-                                        <p:attrNameLst>
-                                          <p:attrName>ppt_y</p:attrName>
-                                        </p:attrNameLst>
-                                      </p:cBhvr>
-                                      <p:tavLst>
-                                        <p:tav tm="0">
-                                          <p:val>
-                                            <p:strVal val="1+#ppt_h/2"/>
-                                          </p:val>
-                                        </p:tav>
-                                        <p:tav tm="100000">
-                                          <p:val>
-                                            <p:strVal val="#ppt_y"/>
-                                          </p:val>
-                                        </p:tav>
-                                      </p:tavLst>
-                                    </p:anim>
-                                  </p:childTnLst>
-                                </p:cTn>
-                              </p:par>
-                            </p:childTnLst>
-                          </p:cTn>
-                        </p:par>
-                      </p:childTnLst>
-                    </p:cTn>
-                  </p:par>
-                  <p:par>
-                    <p:cTn id="21" fill="hold">
-                      <p:stCondLst>
-                        <p:cond delay="indefinite"/>
-                      </p:stCondLst>
-                      <p:childTnLst>
-                        <p:par>
-                          <p:cTn id="22" fill="hold">
-                            <p:stCondLst>
-                              <p:cond delay="0"/>
-                            </p:stCondLst>
-                            <p:childTnLst>
-                              <p:par>
-                                <p:cTn id="23" presetID="2" presetClass="entr" presetSubtype="4" fill="hold" nodeType="clickEffect">
-                                  <p:stCondLst>
-                                    <p:cond delay="0"/>
-                                  </p:stCondLst>
-                                  <p:childTnLst>
-                                    <p:set>
-                                      <p:cBhvr>
-                                        <p:cTn id="24" dur="1" fill="hold">
-                                          <p:stCondLst>
-                                            <p:cond delay="0"/>
-                                          </p:stCondLst>
-                                        </p:cTn>
-                                        <p:tgtEl>
-                                          <p:spTgt spid="20"/>
-                                        </p:tgtEl>
-                                        <p:attrNameLst>
-                                          <p:attrName>style.visibility</p:attrName>
-                                        </p:attrNameLst>
-                                      </p:cBhvr>
-                                      <p:to>
-                                        <p:strVal val="visible"/>
-                                      </p:to>
-                                    </p:set>
-                                    <p:anim calcmode="lin" valueType="num">
-                                      <p:cBhvr additive="base">
-                                        <p:cTn id="25" dur="500" fill="hold"/>
-                                        <p:tgtEl>
-                                          <p:spTgt spid="20"/>
-                                        </p:tgtEl>
-                                        <p:attrNameLst>
-                                          <p:attrName>ppt_x</p:attrName>
-                                        </p:attrNameLst>
-                                      </p:cBhvr>
-                                      <p:tavLst>
-                                        <p:tav tm="0">
-                                          <p:val>
-                                            <p:strVal val="#ppt_x"/>
-                                          </p:val>
-                                        </p:tav>
-                                        <p:tav tm="100000">
-                                          <p:val>
-                                            <p:strVal val="#ppt_x"/>
-                                          </p:val>
-                                        </p:tav>
-                                      </p:tavLst>
-                                    </p:anim>
-                                    <p:anim calcmode="lin" valueType="num">
-                                      <p:cBhvr additive="base">
-                                        <p:cTn id="26" dur="500" fill="hold"/>
-                                        <p:tgtEl>
-                                          <p:spTgt spid="20"/>
-                                        </p:tgtEl>
-                                        <p:attrNameLst>
-                                          <p:attrName>ppt_y</p:attrName>
-                                        </p:attrNameLst>
-                                      </p:cBhvr>
-                                      <p:tavLst>
-                                        <p:tav tm="0">
-                                          <p:val>
-                                            <p:strVal val="1+#ppt_h/2"/>
-                                          </p:val>
-                                        </p:tav>
-                                        <p:tav tm="100000">
-                                          <p:val>
-                                            <p:strVal val="#ppt_y"/>
-                                          </p:val>
-                                        </p:tav>
-                                      </p:tavLst>
-                                    </p:anim>
-                                  </p:childTnLst>
-                                </p:cTn>
-                              </p:par>
-                            </p:childTnLst>
-                          </p:cTn>
-                        </p:par>
-                      </p:childTnLst>
-                    </p:cTn>
-                  </p:par>
-                </p:childTnLst>
-              </p:cTn>
-              <p:prevCondLst>
-                <p:cond evt="onPrev" delay="0">
-                  <p:tgtEl>
-                    <p:sldTgt/>
-                  </p:tgtEl>
-                </p:cond>
-              </p:prevCondLst>
-              <p:nextCondLst>
-                <p:cond evt="onNext" delay="0">
-                  <p:tgtEl>
-                    <p:sldTgt/>
-                  </p:tgtEl>
-                </p:cond>
-              </p:nextCondLst>
-            </p:seq>
-          </p:childTnLst>
-        </p:cTn>
-      </p:par>
-    </p:tnLst>
-  </p:timing>
-</p:sld>
-</file>
-
-<file path=ppt/slides/slide4.xml><?xml version="1.0" encoding="utf-8"?>
-<p:sld xmlns:a="http://schemas.openxmlformats.org/drawingml/2006/main" xmlns:r="http://schemas.openxmlformats.org/officeDocument/2006/relationships" xmlns:p="http://schemas.openxmlformats.org/presentationml/2006/main">
-  <p:cSld>
-    <p:spTree>
-      <p:nvGrpSpPr>
-        <p:cNvPr id="1" name=""/>
-        <p:cNvGrpSpPr/>
-        <p:nvPr/>
-      </p:nvGrpSpPr>
-      <p:grpSpPr>
-        <a:xfrm>
-          <a:off x="0" y="0"/>
-          <a:ext cx="0" cy="0"/>
-          <a:chOff x="0" y="0"/>
-          <a:chExt cx="0" cy="0"/>
-        </a:xfrm>
-      </p:grpSpPr>
-      <p:sp>
-        <p:nvSpPr>
           <p:cNvPr id="95" name="Rectangle 94"/>
           <p:cNvSpPr/>
           <p:nvPr/>
         </p:nvSpPr>
         <p:spPr>
           <a:xfrm>
-            <a:off x="957238" y="4094526"/>
-            <a:ext cx="1986516" cy="2428875"/>
+            <a:off x="1062355" y="2067560"/>
+            <a:ext cx="1857375" cy="2613660"/>
           </a:xfrm>
           <a:prstGeom prst="rect">
             <a:avLst/>
@@ -10723,8 +9979,8 @@
         </p:nvSpPr>
         <p:spPr>
           <a:xfrm>
-            <a:off x="3020695" y="4094480"/>
-            <a:ext cx="3204210" cy="2428875"/>
+            <a:off x="3525520" y="2030095"/>
+            <a:ext cx="2193290" cy="2798445"/>
           </a:xfrm>
           <a:prstGeom prst="rect">
             <a:avLst/>
@@ -10874,8 +10130,8 @@
         </p:nvSpPr>
         <p:spPr>
           <a:xfrm>
-            <a:off x="6169257" y="4094526"/>
-            <a:ext cx="1986516" cy="1467485"/>
+            <a:off x="6330950" y="2067560"/>
+            <a:ext cx="1685290" cy="1467485"/>
           </a:xfrm>
           <a:prstGeom prst="rect">
             <a:avLst/>
@@ -10985,7 +10241,7 @@
         </p:nvSpPr>
         <p:spPr>
           <a:xfrm>
-            <a:off x="8768917" y="4094526"/>
+            <a:off x="8631122" y="2067606"/>
             <a:ext cx="1986516" cy="2059940"/>
           </a:xfrm>
           <a:prstGeom prst="rect">
@@ -11108,7 +10364,7 @@
         </p:nvSpPr>
         <p:spPr bwMode="auto">
           <a:xfrm>
-            <a:off x="5053648" y="498964"/>
+            <a:off x="5054283" y="498964"/>
             <a:ext cx="2084705" cy="430530"/>
           </a:xfrm>
           <a:prstGeom prst="rect">
@@ -11229,8 +10485,8 @@
         </p:nvSpPr>
         <p:spPr>
           <a:xfrm>
-            <a:off x="4175759" y="912494"/>
-            <a:ext cx="3840480" cy="313690"/>
+            <a:off x="3870959" y="1004569"/>
+            <a:ext cx="4450080" cy="313690"/>
           </a:xfrm>
           <a:prstGeom prst="rect">
             <a:avLst/>
@@ -11248,9 +10504,9 @@
               </a:lnSpc>
             </a:pPr>
             <a:r>
-              <a:rPr lang="zh-CN" altLang="en-US" sz="1200" dirty="0">
-                <a:solidFill>
-                  <a:schemeClr val="accent1"/>
+              <a:rPr lang="zh-CN" altLang="en-US" sz="1400" dirty="0">
+                <a:solidFill>
+                  <a:srgbClr val="00B050"/>
                 </a:solidFill>
                 <a:latin typeface="Calibri" panose="020F0502020204030204" pitchFamily="34" charset="0"/>
                 <a:ea typeface="微软雅黑" panose="020B0503020204020204" pitchFamily="34" charset="-122"/>
@@ -11259,9 +10515,9 @@
               </a:rPr>
               <a:t>一个运行良好的事务处理系统，必须具备这些标准特征</a:t>
             </a:r>
-            <a:endParaRPr lang="zh-CN" altLang="en-US" sz="1200" dirty="0">
+            <a:endParaRPr lang="zh-CN" altLang="en-US" sz="1400" dirty="0">
               <a:solidFill>
-                <a:schemeClr val="accent1"/>
+                <a:srgbClr val="00B050"/>
               </a:solidFill>
               <a:latin typeface="Calibri" panose="020F0502020204030204" pitchFamily="34" charset="0"/>
               <a:ea typeface="微软雅黑" panose="020B0503020204020204" pitchFamily="34" charset="-122"/>
@@ -11271,112 +10527,6 @@
           </a:p>
         </p:txBody>
       </p:sp>
-      <p:pic>
-        <p:nvPicPr>
-          <p:cNvPr id="4" name="图片占位符 3" descr="timg (1)"/>
-          <p:cNvPicPr>
-            <a:picLocks noChangeAspect="1"/>
-          </p:cNvPicPr>
-          <p:nvPr>
-            <p:ph type="pic" sz="quarter" idx="13"/>
-          </p:nvPr>
-        </p:nvPicPr>
-        <p:blipFill>
-          <a:blip r:embed="rId1"/>
-          <a:srcRect r="1772" b="8210"/>
-          <a:stretch>
-            <a:fillRect/>
-          </a:stretch>
-        </p:blipFill>
-        <p:spPr>
-          <a:xfrm>
-            <a:off x="1028700" y="1833245"/>
-            <a:ext cx="1724660" cy="1611630"/>
-          </a:xfrm>
-          <a:prstGeom prst="rect">
-            <a:avLst/>
-          </a:prstGeom>
-        </p:spPr>
-      </p:pic>
-      <p:pic>
-        <p:nvPicPr>
-          <p:cNvPr id="6" name="图片占位符 5" descr="timg (2)"/>
-          <p:cNvPicPr>
-            <a:picLocks noChangeAspect="1"/>
-          </p:cNvPicPr>
-          <p:nvPr>
-            <p:ph type="pic" sz="quarter" idx="14"/>
-          </p:nvPr>
-        </p:nvPicPr>
-        <p:blipFill>
-          <a:blip r:embed="rId2"/>
-          <a:srcRect l="11303" t="1224" r="9922" b="-1224"/>
-          <a:stretch>
-            <a:fillRect/>
-          </a:stretch>
-        </p:blipFill>
-        <p:spPr>
-          <a:xfrm>
-            <a:off x="3576320" y="1943100"/>
-            <a:ext cx="1739265" cy="1607820"/>
-          </a:xfrm>
-          <a:prstGeom prst="rect">
-            <a:avLst/>
-          </a:prstGeom>
-        </p:spPr>
-      </p:pic>
-      <p:pic>
-        <p:nvPicPr>
-          <p:cNvPr id="10" name="图片占位符 9" descr="微信图片_20180923162449"/>
-          <p:cNvPicPr>
-            <a:picLocks noChangeAspect="1"/>
-          </p:cNvPicPr>
-          <p:nvPr>
-            <p:ph type="pic" sz="quarter" idx="15"/>
-          </p:nvPr>
-        </p:nvPicPr>
-        <p:blipFill>
-          <a:blip r:embed="rId3"/>
-          <a:stretch>
-            <a:fillRect/>
-          </a:stretch>
-        </p:blipFill>
-        <p:spPr>
-          <a:xfrm>
-            <a:off x="6224905" y="1943735"/>
-            <a:ext cx="2084705" cy="1607820"/>
-          </a:xfrm>
-          <a:prstGeom prst="rect">
-            <a:avLst/>
-          </a:prstGeom>
-        </p:spPr>
-      </p:pic>
-      <p:pic>
-        <p:nvPicPr>
-          <p:cNvPr id="14" name="图片占位符 13" descr="timg"/>
-          <p:cNvPicPr>
-            <a:picLocks noChangeAspect="1"/>
-          </p:cNvPicPr>
-          <p:nvPr>
-            <p:ph type="pic" sz="quarter" idx="16"/>
-          </p:nvPr>
-        </p:nvPicPr>
-        <p:blipFill>
-          <a:blip r:embed="rId4"/>
-          <a:stretch>
-            <a:fillRect/>
-          </a:stretch>
-        </p:blipFill>
-        <p:spPr>
-          <a:xfrm>
-            <a:off x="8768715" y="1833245"/>
-            <a:ext cx="1973580" cy="1828165"/>
-          </a:xfrm>
-          <a:prstGeom prst="rect">
-            <a:avLst/>
-          </a:prstGeom>
-        </p:spPr>
-      </p:pic>
     </p:spTree>
   </p:cSld>
   <p:clrMapOvr>
@@ -11636,148 +10786,7 @@
 </p:sld>
 </file>
 
-<file path=ppt/slides/slide5.xml><?xml version="1.0" encoding="utf-8"?>
-<p:sld xmlns:a="http://schemas.openxmlformats.org/drawingml/2006/main" xmlns:r="http://schemas.openxmlformats.org/officeDocument/2006/relationships" xmlns:p="http://schemas.openxmlformats.org/presentationml/2006/main">
-  <p:cSld>
-    <p:spTree>
-      <p:nvGrpSpPr>
-        <p:cNvPr id="1" name=""/>
-        <p:cNvGrpSpPr/>
-        <p:nvPr/>
-      </p:nvGrpSpPr>
-      <p:grpSpPr/>
-      <p:sp>
-        <p:nvSpPr>
-          <p:cNvPr id="7" name="爆炸形 2 6"/>
-          <p:cNvSpPr/>
-          <p:nvPr/>
-        </p:nvSpPr>
-        <p:spPr>
-          <a:xfrm>
-            <a:off x="1677670" y="144780"/>
-            <a:ext cx="6606540" cy="4309110"/>
-          </a:xfrm>
-          <a:prstGeom prst="irregularSeal2">
-            <a:avLst/>
-          </a:prstGeom>
-          <a:solidFill>
-            <a:srgbClr val="92D050"/>
-          </a:solidFill>
-        </p:spPr>
-        <p:style>
-          <a:lnRef idx="2">
-            <a:schemeClr val="accent1">
-              <a:shade val="50000"/>
-            </a:schemeClr>
-          </a:lnRef>
-          <a:fillRef idx="1">
-            <a:schemeClr val="accent1"/>
-          </a:fillRef>
-          <a:effectRef idx="0">
-            <a:schemeClr val="accent1"/>
-          </a:effectRef>
-          <a:fontRef idx="minor">
-            <a:schemeClr val="lt1"/>
-          </a:fontRef>
-        </p:style>
-        <p:txBody>
-          <a:bodyPr rtlCol="0" anchor="ctr"/>
-          <a:p>
-            <a:pPr algn="ctr"/>
-            <a:endParaRPr lang="zh-CN" altLang="en-US"/>
-          </a:p>
-        </p:txBody>
-      </p:sp>
-      <p:sp>
-        <p:nvSpPr>
-          <p:cNvPr id="9" name="文本框 8"/>
-          <p:cNvSpPr txBox="1"/>
-          <p:nvPr/>
-        </p:nvSpPr>
-        <p:spPr>
-          <a:xfrm>
-            <a:off x="3286760" y="1894840"/>
-            <a:ext cx="3484880" cy="1568450"/>
-          </a:xfrm>
-          <a:prstGeom prst="rect">
-            <a:avLst/>
-          </a:prstGeom>
-          <a:noFill/>
-        </p:spPr>
-        <p:txBody>
-          <a:bodyPr wrap="square" rtlCol="0">
-            <a:spAutoFit/>
-          </a:bodyPr>
-          <a:p>
-            <a:r>
-              <a:rPr lang="zh-CN" altLang="en-US" sz="2400">
-                <a:solidFill>
-                  <a:srgbClr val="FF0000"/>
-                </a:solidFill>
-                <a:sym typeface="+mn-ea"/>
-              </a:rPr>
-              <a:t>考虑一个场景：</a:t>
-            </a:r>
-            <a:r>
-              <a:rPr lang="en-US" altLang="zh-CN" sz="2400">
-                <a:solidFill>
-                  <a:srgbClr val="FF0000"/>
-                </a:solidFill>
-                <a:sym typeface="+mn-ea"/>
-              </a:rPr>
-              <a:t>A</a:t>
-            </a:r>
-            <a:r>
-              <a:rPr lang="zh-CN" altLang="en-US" sz="2400">
-                <a:solidFill>
-                  <a:srgbClr val="FF0000"/>
-                </a:solidFill>
-                <a:sym typeface="+mn-ea"/>
-              </a:rPr>
-              <a:t>向</a:t>
-            </a:r>
-            <a:r>
-              <a:rPr lang="en-US" altLang="zh-CN" sz="2400">
-                <a:solidFill>
-                  <a:srgbClr val="FF0000"/>
-                </a:solidFill>
-                <a:sym typeface="+mn-ea"/>
-              </a:rPr>
-              <a:t>B</a:t>
-            </a:r>
-            <a:r>
-              <a:rPr lang="zh-CN" altLang="en-US" sz="2400">
-                <a:solidFill>
-                  <a:srgbClr val="FF0000"/>
-                </a:solidFill>
-                <a:sym typeface="+mn-ea"/>
-              </a:rPr>
-              <a:t>转账的过程要包含哪些操作？</a:t>
-            </a:r>
-            <a:endParaRPr lang="zh-CN" altLang="en-US" sz="2400">
-              <a:solidFill>
-                <a:srgbClr val="FF0000"/>
-              </a:solidFill>
-            </a:endParaRPr>
-          </a:p>
-          <a:p>
-            <a:endParaRPr lang="zh-CN" altLang="en-US" sz="2400">
-              <a:solidFill>
-                <a:srgbClr val="FF0000"/>
-              </a:solidFill>
-            </a:endParaRPr>
-          </a:p>
-        </p:txBody>
-      </p:sp>
-    </p:spTree>
-  </p:cSld>
-  <p:clrMapOvr>
-    <a:masterClrMapping/>
-  </p:clrMapOvr>
-</p:sld>
-</file>
-
-<file path=ppt/slides/slide6.xml><?xml version="1.0" encoding="utf-8"?>
+<file path=ppt/slides/slide4.xml><?xml version="1.0" encoding="utf-8"?>
 <p:sld xmlns:a="http://schemas.openxmlformats.org/drawingml/2006/main" xmlns:r="http://schemas.openxmlformats.org/officeDocument/2006/relationships" xmlns:p="http://schemas.openxmlformats.org/presentationml/2006/main">
   <p:cSld>
     <p:spTree>
@@ -12761,6 +11770,459 @@
 </p:sld>
 </file>
 
+<file path=ppt/slides/slide5.xml><?xml version="1.0" encoding="utf-8"?>
+<p:sld xmlns:a="http://schemas.openxmlformats.org/drawingml/2006/main" xmlns:r="http://schemas.openxmlformats.org/officeDocument/2006/relationships" xmlns:p="http://schemas.openxmlformats.org/presentationml/2006/main">
+  <p:cSld>
+    <p:spTree>
+      <p:nvGrpSpPr>
+        <p:cNvPr id="1" name=""/>
+        <p:cNvGrpSpPr/>
+        <p:nvPr/>
+      </p:nvGrpSpPr>
+      <p:grpSpPr/>
+      <p:sp>
+        <p:nvSpPr>
+          <p:cNvPr id="8" name="文本框 7"/>
+          <p:cNvSpPr txBox="1"/>
+          <p:nvPr/>
+        </p:nvSpPr>
+        <p:spPr>
+          <a:xfrm>
+            <a:off x="2506980" y="1859915"/>
+            <a:ext cx="6195695" cy="4523105"/>
+          </a:xfrm>
+          <a:prstGeom prst="rect">
+            <a:avLst/>
+          </a:prstGeom>
+          <a:noFill/>
+        </p:spPr>
+        <p:txBody>
+          <a:bodyPr wrap="square" rtlCol="0" anchor="t">
+            <a:spAutoFit/>
+          </a:bodyPr>
+          <a:p>
+            <a:r>
+              <a:rPr lang="zh-CN" altLang="en-US"/>
+              <a:t>一共两类：</a:t>
+            </a:r>
+            <a:endParaRPr lang="zh-CN" altLang="en-US"/>
+          </a:p>
+          <a:p>
+            <a:r>
+              <a:rPr lang="zh-CN" altLang="en-US"/>
+              <a:t>第一类：</a:t>
+            </a:r>
+            <a:endParaRPr lang="zh-CN" altLang="en-US"/>
+          </a:p>
+          <a:p>
+            <a:r>
+              <a:rPr lang="en-US" altLang="zh-CN"/>
+              <a:t>r = 500</a:t>
+            </a:r>
+            <a:endParaRPr lang="zh-CN" altLang="en-US"/>
+          </a:p>
+          <a:p>
+            <a:r>
+              <a:rPr lang="zh-CN" altLang="en-US"/>
+              <a:t>A:事务T1开始，修改记录r </a:t>
+            </a:r>
+            <a:r>
+              <a:rPr lang="en-US" altLang="zh-CN"/>
+              <a:t>= 1000</a:t>
+            </a:r>
+            <a:r>
+              <a:rPr lang="zh-CN" altLang="en-US"/>
+              <a:t>，未提交</a:t>
+            </a:r>
+            <a:endParaRPr lang="zh-CN" altLang="en-US"/>
+          </a:p>
+          <a:p>
+            <a:r>
+              <a:rPr lang="zh-CN" altLang="en-US"/>
+              <a:t>B:事务T2开始，修改记录r </a:t>
+            </a:r>
+            <a:r>
+              <a:rPr lang="en-US" altLang="zh-CN"/>
+              <a:t>= 1500</a:t>
+            </a:r>
+            <a:r>
+              <a:rPr lang="zh-CN" altLang="en-US"/>
+              <a:t>，未提交</a:t>
+            </a:r>
+            <a:endParaRPr lang="zh-CN" altLang="en-US"/>
+          </a:p>
+          <a:p>
+            <a:r>
+              <a:rPr lang="zh-CN" altLang="en-US"/>
+              <a:t>A:事务T1提交</a:t>
+            </a:r>
+            <a:endParaRPr lang="zh-CN" altLang="en-US"/>
+          </a:p>
+          <a:p>
+            <a:r>
+              <a:rPr lang="zh-CN" altLang="en-US"/>
+              <a:t>B:事务T2提交</a:t>
+            </a:r>
+            <a:endParaRPr lang="zh-CN" altLang="en-US"/>
+          </a:p>
+          <a:p>
+            <a:r>
+              <a:rPr lang="zh-CN" altLang="en-US"/>
+              <a:t>但该情况不会出现，因为即使是read uncommitted级别下，update操作也会为当前记录加锁</a:t>
+            </a:r>
+            <a:endParaRPr lang="zh-CN" altLang="en-US"/>
+          </a:p>
+          <a:p>
+            <a:endParaRPr lang="zh-CN" altLang="en-US"/>
+          </a:p>
+          <a:p>
+            <a:endParaRPr lang="zh-CN" altLang="en-US"/>
+          </a:p>
+          <a:p>
+            <a:r>
+              <a:rPr lang="zh-CN" altLang="en-US"/>
+              <a:t>第二类:(并非数据库本身导致，属于逻辑问题)</a:t>
+            </a:r>
+            <a:endParaRPr lang="zh-CN" altLang="en-US"/>
+          </a:p>
+          <a:p>
+            <a:r>
+              <a:rPr lang="zh-CN" altLang="en-US"/>
+              <a:t>A:事务T1开始，查询一行记录 </a:t>
+            </a:r>
+            <a:r>
+              <a:rPr lang="en-US" altLang="zh-CN"/>
+              <a:t>r = 500</a:t>
+            </a:r>
+            <a:endParaRPr lang="zh-CN" altLang="en-US"/>
+          </a:p>
+          <a:p>
+            <a:r>
+              <a:rPr lang="zh-CN" altLang="en-US"/>
+              <a:t>B:事务T2开始，查询一行记录 </a:t>
+            </a:r>
+            <a:r>
+              <a:rPr lang="en-US" altLang="zh-CN"/>
+              <a:t>r = 500</a:t>
+            </a:r>
+            <a:endParaRPr lang="zh-CN" altLang="en-US"/>
+          </a:p>
+          <a:p>
+            <a:r>
+              <a:rPr lang="zh-CN" altLang="en-US"/>
+              <a:t>A:事务T1修改记录并提交 </a:t>
+            </a:r>
+            <a:r>
+              <a:rPr lang="en-US" altLang="zh-CN"/>
+              <a:t>r = 1000</a:t>
+            </a:r>
+            <a:endParaRPr lang="zh-CN" altLang="en-US"/>
+          </a:p>
+          <a:p>
+            <a:r>
+              <a:rPr lang="zh-CN" altLang="en-US"/>
+              <a:t>B:事务T2修改记录并提交 </a:t>
+            </a:r>
+            <a:r>
+              <a:rPr lang="en-US" altLang="zh-CN"/>
+              <a:t>r = 1500</a:t>
+            </a:r>
+            <a:endParaRPr lang="en-US" altLang="zh-CN"/>
+          </a:p>
+        </p:txBody>
+      </p:sp>
+      <p:sp>
+        <p:nvSpPr>
+          <p:cNvPr id="9" name="文本框 8"/>
+          <p:cNvSpPr txBox="1"/>
+          <p:nvPr/>
+        </p:nvSpPr>
+        <p:spPr>
+          <a:xfrm>
+            <a:off x="3259455" y="803910"/>
+            <a:ext cx="6438900" cy="583565"/>
+          </a:xfrm>
+          <a:prstGeom prst="rect">
+            <a:avLst/>
+          </a:prstGeom>
+          <a:noFill/>
+        </p:spPr>
+        <p:txBody>
+          <a:bodyPr wrap="square" rtlCol="0" anchor="t">
+            <a:spAutoFit/>
+          </a:bodyPr>
+          <a:p>
+            <a:r>
+              <a:rPr lang="en-US" altLang="zh-CN" sz="3200">
+                <a:solidFill>
+                  <a:srgbClr val="FF0000"/>
+                </a:solidFill>
+              </a:rPr>
+              <a:t>2.1.1 </a:t>
+            </a:r>
+            <a:r>
+              <a:rPr lang="zh-CN" altLang="en-US" sz="3200">
+                <a:solidFill>
+                  <a:srgbClr val="FF0000"/>
+                </a:solidFill>
+              </a:rPr>
+              <a:t>两类丢失更新问题</a:t>
+            </a:r>
+            <a:endParaRPr lang="zh-CN" altLang="en-US" sz="3200">
+              <a:solidFill>
+                <a:srgbClr val="FF0000"/>
+              </a:solidFill>
+            </a:endParaRPr>
+          </a:p>
+        </p:txBody>
+      </p:sp>
+    </p:spTree>
+  </p:cSld>
+  <p:clrMapOvr>
+    <a:masterClrMapping/>
+  </p:clrMapOvr>
+  <mc:AlternateContent xmlns:mc="http://schemas.openxmlformats.org/markup-compatibility/2006">
+    <mc:Choice xmlns:p14="http://schemas.microsoft.com/office/powerpoint/2010/main" Requires="p14">
+      <p:transition p14:dur="700"/>
+    </mc:Choice>
+    <mc:Fallback>
+      <p:transition/>
+    </mc:Fallback>
+  </mc:AlternateContent>
+</p:sld>
+</file>
+
+<file path=ppt/slides/slide6.xml><?xml version="1.0" encoding="utf-8"?>
+<p:sld xmlns:a="http://schemas.openxmlformats.org/drawingml/2006/main" xmlns:r="http://schemas.openxmlformats.org/officeDocument/2006/relationships" xmlns:p="http://schemas.openxmlformats.org/presentationml/2006/main">
+  <p:cSld>
+    <p:spTree>
+      <p:nvGrpSpPr>
+        <p:cNvPr id="1" name=""/>
+        <p:cNvGrpSpPr/>
+        <p:nvPr/>
+      </p:nvGrpSpPr>
+      <p:grpSpPr/>
+      <p:sp>
+        <p:nvSpPr>
+          <p:cNvPr id="4" name="文本框 3"/>
+          <p:cNvSpPr txBox="1"/>
+          <p:nvPr/>
+        </p:nvSpPr>
+        <p:spPr>
+          <a:xfrm>
+            <a:off x="3891280" y="1430020"/>
+            <a:ext cx="4408805" cy="398780"/>
+          </a:xfrm>
+          <a:prstGeom prst="rect">
+            <a:avLst/>
+          </a:prstGeom>
+          <a:noFill/>
+          <a:ln>
+            <a:solidFill>
+              <a:schemeClr val="bg1"/>
+            </a:solidFill>
+          </a:ln>
+        </p:spPr>
+        <p:txBody>
+          <a:bodyPr wrap="square" rtlCol="0">
+            <a:spAutoFit/>
+          </a:bodyPr>
+          <a:p>
+            <a:pPr algn="ctr"/>
+            <a:r>
+              <a:rPr lang="zh-CN" sz="2000" dirty="0">
+                <a:solidFill>
+                  <a:schemeClr val="tx1"/>
+                </a:solidFill>
+                <a:latin typeface="Calibri" panose="020F0502020204030204" pitchFamily="34" charset="0"/>
+                <a:ea typeface="微软雅黑" panose="020B0503020204020204" pitchFamily="34" charset="-122"/>
+                <a:sym typeface="Calibri" panose="020F0502020204030204" pitchFamily="34" charset="0"/>
+              </a:rPr>
+              <a:t>总结</a:t>
+            </a:r>
+            <a:endParaRPr lang="zh-CN" sz="2000" dirty="0">
+              <a:solidFill>
+                <a:schemeClr val="tx1"/>
+              </a:solidFill>
+              <a:latin typeface="Calibri" panose="020F0502020204030204" pitchFamily="34" charset="0"/>
+              <a:ea typeface="微软雅黑" panose="020B0503020204020204" pitchFamily="34" charset="-122"/>
+              <a:sym typeface="Calibri" panose="020F0502020204030204" pitchFamily="34" charset="0"/>
+            </a:endParaRPr>
+          </a:p>
+        </p:txBody>
+      </p:sp>
+      <p:sp>
+        <p:nvSpPr>
+          <p:cNvPr id="5" name="文本框 4"/>
+          <p:cNvSpPr txBox="1"/>
+          <p:nvPr/>
+        </p:nvSpPr>
+        <p:spPr>
+          <a:xfrm>
+            <a:off x="2674620" y="2404110"/>
+            <a:ext cx="7075805" cy="1322070"/>
+          </a:xfrm>
+          <a:prstGeom prst="rect">
+            <a:avLst/>
+          </a:prstGeom>
+          <a:noFill/>
+          <a:ln>
+            <a:solidFill>
+              <a:schemeClr val="bg1"/>
+            </a:solidFill>
+          </a:ln>
+        </p:spPr>
+        <p:txBody>
+          <a:bodyPr wrap="square" rtlCol="0">
+            <a:spAutoFit/>
+          </a:bodyPr>
+          <a:p>
+            <a:pPr algn="l"/>
+            <a:r>
+              <a:rPr lang="zh-CN" sz="2000" dirty="0">
+                <a:solidFill>
+                  <a:schemeClr val="tx1"/>
+                </a:solidFill>
+                <a:latin typeface="Calibri" panose="020F0502020204030204" pitchFamily="34" charset="0"/>
+                <a:ea typeface="微软雅黑" panose="020B0503020204020204" pitchFamily="34" charset="-122"/>
+                <a:sym typeface="Calibri" panose="020F0502020204030204" pitchFamily="34" charset="0"/>
+              </a:rPr>
+              <a:t>上述情况可以分为两类，一种是由于查询出来的数据有问题，</a:t>
+            </a:r>
+            <a:endParaRPr lang="zh-CN" sz="2000" dirty="0">
+              <a:solidFill>
+                <a:schemeClr val="tx1"/>
+              </a:solidFill>
+              <a:latin typeface="Calibri" panose="020F0502020204030204" pitchFamily="34" charset="0"/>
+              <a:ea typeface="微软雅黑" panose="020B0503020204020204" pitchFamily="34" charset="-122"/>
+              <a:sym typeface="Calibri" panose="020F0502020204030204" pitchFamily="34" charset="0"/>
+            </a:endParaRPr>
+          </a:p>
+          <a:p>
+            <a:pPr algn="l"/>
+            <a:r>
+              <a:rPr lang="zh-CN" sz="2000" dirty="0">
+                <a:solidFill>
+                  <a:schemeClr val="tx1"/>
+                </a:solidFill>
+                <a:latin typeface="Calibri" panose="020F0502020204030204" pitchFamily="34" charset="0"/>
+                <a:ea typeface="微软雅黑" panose="020B0503020204020204" pitchFamily="34" charset="-122"/>
+                <a:sym typeface="Calibri" panose="020F0502020204030204" pitchFamily="34" charset="0"/>
+              </a:rPr>
+              <a:t>一种是因为没有及时查询，也就是查询的时间节点导致的，</a:t>
+            </a:r>
+            <a:endParaRPr lang="zh-CN" sz="2000" dirty="0">
+              <a:solidFill>
+                <a:schemeClr val="tx1"/>
+              </a:solidFill>
+              <a:latin typeface="Calibri" panose="020F0502020204030204" pitchFamily="34" charset="0"/>
+              <a:ea typeface="微软雅黑" panose="020B0503020204020204" pitchFamily="34" charset="-122"/>
+              <a:sym typeface="Calibri" panose="020F0502020204030204" pitchFamily="34" charset="0"/>
+            </a:endParaRPr>
+          </a:p>
+          <a:p>
+            <a:pPr algn="l"/>
+            <a:r>
+              <a:rPr lang="zh-CN" sz="2000" dirty="0">
+                <a:solidFill>
+                  <a:schemeClr val="tx1"/>
+                </a:solidFill>
+                <a:latin typeface="Calibri" panose="020F0502020204030204" pitchFamily="34" charset="0"/>
+                <a:ea typeface="微软雅黑" panose="020B0503020204020204" pitchFamily="34" charset="-122"/>
+                <a:sym typeface="Calibri" panose="020F0502020204030204" pitchFamily="34" charset="0"/>
+              </a:rPr>
+              <a:t>所以第一种情况可以通过设置数据库的隔离级别解决，</a:t>
+            </a:r>
+            <a:endParaRPr lang="zh-CN" sz="2000" dirty="0">
+              <a:solidFill>
+                <a:schemeClr val="tx1"/>
+              </a:solidFill>
+              <a:latin typeface="Calibri" panose="020F0502020204030204" pitchFamily="34" charset="0"/>
+              <a:ea typeface="微软雅黑" panose="020B0503020204020204" pitchFamily="34" charset="-122"/>
+              <a:sym typeface="Calibri" panose="020F0502020204030204" pitchFamily="34" charset="0"/>
+            </a:endParaRPr>
+          </a:p>
+          <a:p>
+            <a:pPr algn="l"/>
+            <a:r>
+              <a:rPr lang="zh-CN" sz="2000" dirty="0">
+                <a:solidFill>
+                  <a:schemeClr val="tx1"/>
+                </a:solidFill>
+                <a:latin typeface="Calibri" panose="020F0502020204030204" pitchFamily="34" charset="0"/>
+                <a:ea typeface="微软雅黑" panose="020B0503020204020204" pitchFamily="34" charset="-122"/>
+                <a:sym typeface="Calibri" panose="020F0502020204030204" pitchFamily="34" charset="0"/>
+              </a:rPr>
+              <a:t>第二种则要通过业务逻辑的约束来解决。</a:t>
+            </a:r>
+            <a:endParaRPr lang="zh-CN" sz="2000" dirty="0">
+              <a:solidFill>
+                <a:schemeClr val="tx1"/>
+              </a:solidFill>
+              <a:latin typeface="Calibri" panose="020F0502020204030204" pitchFamily="34" charset="0"/>
+              <a:ea typeface="微软雅黑" panose="020B0503020204020204" pitchFamily="34" charset="-122"/>
+              <a:sym typeface="Calibri" panose="020F0502020204030204" pitchFamily="34" charset="0"/>
+            </a:endParaRPr>
+          </a:p>
+        </p:txBody>
+      </p:sp>
+      <p:sp>
+        <p:nvSpPr>
+          <p:cNvPr id="6" name="文本框 5"/>
+          <p:cNvSpPr txBox="1"/>
+          <p:nvPr/>
+        </p:nvSpPr>
+        <p:spPr>
+          <a:xfrm>
+            <a:off x="2674620" y="4212590"/>
+            <a:ext cx="7075805" cy="706755"/>
+          </a:xfrm>
+          <a:prstGeom prst="rect">
+            <a:avLst/>
+          </a:prstGeom>
+          <a:noFill/>
+          <a:ln>
+            <a:solidFill>
+              <a:schemeClr val="bg1"/>
+            </a:solidFill>
+          </a:ln>
+        </p:spPr>
+        <p:txBody>
+          <a:bodyPr wrap="square" rtlCol="0">
+            <a:spAutoFit/>
+          </a:bodyPr>
+          <a:p>
+            <a:pPr algn="l"/>
+            <a:r>
+              <a:rPr lang="zh-CN" sz="2000" dirty="0">
+                <a:solidFill>
+                  <a:schemeClr val="tx1"/>
+                </a:solidFill>
+                <a:latin typeface="Calibri" panose="020F0502020204030204" pitchFamily="34" charset="0"/>
+                <a:ea typeface="微软雅黑" panose="020B0503020204020204" pitchFamily="34" charset="-122"/>
+                <a:sym typeface="Calibri" panose="020F0502020204030204" pitchFamily="34" charset="0"/>
+              </a:rPr>
+              <a:t>所以我们首先来看一下，如何通过隔离级别避免上述的四种情况。</a:t>
+            </a:r>
+            <a:endParaRPr lang="zh-CN" sz="2000" dirty="0">
+              <a:solidFill>
+                <a:schemeClr val="tx1"/>
+              </a:solidFill>
+              <a:latin typeface="Calibri" panose="020F0502020204030204" pitchFamily="34" charset="0"/>
+              <a:ea typeface="微软雅黑" panose="020B0503020204020204" pitchFamily="34" charset="-122"/>
+              <a:sym typeface="Calibri" panose="020F0502020204030204" pitchFamily="34" charset="0"/>
+            </a:endParaRPr>
+          </a:p>
+        </p:txBody>
+      </p:sp>
+    </p:spTree>
+  </p:cSld>
+  <p:clrMapOvr>
+    <a:masterClrMapping/>
+  </p:clrMapOvr>
+</p:sld>
+</file>
+
 <file path=ppt/slides/slide7.xml><?xml version="1.0" encoding="utf-8"?>
 <p:sld xmlns:a="http://schemas.openxmlformats.org/drawingml/2006/main" xmlns:r="http://schemas.openxmlformats.org/officeDocument/2006/relationships" xmlns:p="http://schemas.openxmlformats.org/presentationml/2006/main">
   <p:cSld>
@@ -12779,8 +12241,8 @@
         </p:nvSpPr>
         <p:spPr>
           <a:xfrm>
-            <a:off x="2506980" y="1859915"/>
-            <a:ext cx="6195695" cy="4246245"/>
+            <a:off x="1203960" y="613410"/>
+            <a:ext cx="9441180" cy="5077460"/>
           </a:xfrm>
           <a:prstGeom prst="rect">
             <a:avLst/>
@@ -12792,138 +12254,117 @@
             <a:spAutoFit/>
           </a:bodyPr>
           <a:p>
+            <a:endParaRPr lang="zh-CN" altLang="en-US"/>
+          </a:p>
+          <a:p>
             <a:r>
               <a:rPr lang="zh-CN" altLang="en-US"/>
-              <a:t>一共两类：</a:t>
+              <a:t>事务的隔离级别主要分为以下几种：</a:t>
             </a:r>
             <a:endParaRPr lang="zh-CN" altLang="en-US"/>
           </a:p>
           <a:p>
+            <a:endParaRPr lang="zh-CN" altLang="en-US"/>
+          </a:p>
+          <a:p>
             <a:r>
               <a:rPr lang="zh-CN" altLang="en-US"/>
-              <a:t>第一类：</a:t>
+              <a:t>READ UNCOMMITTED（未提交读），事务中的修改，即使没有提交，在其他事务也都是可见的。事务可以读取未提交的数据，这也被称为脏读。</a:t>
             </a:r>
             <a:endParaRPr lang="zh-CN" altLang="en-US"/>
           </a:p>
           <a:p>
+            <a:endParaRPr lang="zh-CN" altLang="en-US"/>
+          </a:p>
+          <a:p>
             <a:r>
               <a:rPr lang="zh-CN" altLang="en-US"/>
-              <a:t>A:事务T1开始，修改记录r1，未提交</a:t>
+              <a:t>READ COMMITTED（提交读），一个事务从开始直到提交之前，所做的任何修改对其他事务都是不可见的。这个级别有时候也叫做不可重复读，因为两次执行相同的查询，可能会得到不一样的结果。因为在这两次读之间可能有其他事务更改这个数据，每次读到的数据都是已经提交的。</a:t>
             </a:r>
             <a:endParaRPr lang="zh-CN" altLang="en-US"/>
           </a:p>
           <a:p>
+            <a:endParaRPr lang="zh-CN" altLang="en-US"/>
+          </a:p>
+          <a:p>
             <a:r>
               <a:rPr lang="zh-CN" altLang="en-US"/>
-              <a:t>B:事务T2开始，修改记录r1，未提交</a:t>
+              <a:t>REPEATABLE READ（可重复读），解决了脏读，也保证了在同一个事务中多次读取同样记录的结果是一致的。InnoDB存储引擎通过多版本并发控制（MVCC，Multiversion Concurrency Control）机制解决了该问题。</a:t>
             </a:r>
             <a:endParaRPr lang="zh-CN" altLang="en-US"/>
           </a:p>
           <a:p>
+            <a:endParaRPr lang="zh-CN" altLang="en-US"/>
+          </a:p>
+          <a:p>
             <a:r>
               <a:rPr lang="zh-CN" altLang="en-US"/>
-              <a:t>A:事务T1提交</a:t>
+              <a:t>SERIALIZABLE（可串行化），它通过强制事务串行执行，避免了前面说的幻读的问题，但由于读取的每行数据都加锁，会导致大量的锁征用问题，因此性能也最差。</a:t>
             </a:r>
             <a:endParaRPr lang="zh-CN" altLang="en-US"/>
           </a:p>
           <a:p>
-            <a:r>
-              <a:rPr lang="zh-CN" altLang="en-US"/>
-              <a:t>B:事务T2提交</a:t>
-            </a:r>
             <a:endParaRPr lang="zh-CN" altLang="en-US"/>
           </a:p>
-          <a:p>
-            <a:r>
-              <a:rPr lang="zh-CN" altLang="en-US"/>
-              <a:t>但该情况不会出现，因为即使是read uncommitted级别下，update操作也会为当前记录加锁</a:t>
-            </a:r>
-            <a:endParaRPr lang="zh-CN" altLang="en-US"/>
-          </a:p>
-          <a:p>
-            <a:endParaRPr lang="zh-CN" altLang="en-US"/>
-          </a:p>
-          <a:p>
-            <a:endParaRPr lang="zh-CN" altLang="en-US"/>
-          </a:p>
-          <a:p>
-            <a:r>
-              <a:rPr lang="zh-CN" altLang="en-US"/>
-              <a:t>第二类:(并非数据库本身导致，属于逻辑问题)</a:t>
-            </a:r>
-            <a:endParaRPr lang="zh-CN" altLang="en-US"/>
-          </a:p>
-          <a:p>
-            <a:r>
-              <a:rPr lang="zh-CN" altLang="en-US"/>
-              <a:t>A:事务T1开始，查询一行记录</a:t>
-            </a:r>
-            <a:endParaRPr lang="zh-CN" altLang="en-US"/>
-          </a:p>
-          <a:p>
-            <a:r>
-              <a:rPr lang="zh-CN" altLang="en-US"/>
-              <a:t>B:事务T2开始，查询一行记录</a:t>
-            </a:r>
-            <a:endParaRPr lang="zh-CN" altLang="en-US"/>
-          </a:p>
-          <a:p>
-            <a:r>
-              <a:rPr lang="zh-CN" altLang="en-US"/>
-              <a:t>A:事务T1修改记录并提交</a:t>
-            </a:r>
-            <a:endParaRPr lang="zh-CN" altLang="en-US"/>
-          </a:p>
-          <a:p>
-            <a:r>
-              <a:rPr lang="zh-CN" altLang="en-US"/>
-              <a:t>B:事务T2修改记录并提交</a:t>
-            </a:r>
-            <a:endParaRPr lang="zh-CN" altLang="en-US"/>
-          </a:p>
-        </p:txBody>
-      </p:sp>
-      <p:sp>
-        <p:nvSpPr>
-          <p:cNvPr id="9" name="文本框 8"/>
-          <p:cNvSpPr txBox="1"/>
+        </p:txBody>
+      </p:sp>
+      <p:sp>
+        <p:nvSpPr>
+          <p:cNvPr id="9" name="Rectangle 1"/>
+          <p:cNvSpPr/>
           <p:nvPr/>
         </p:nvSpPr>
-        <p:spPr>
+        <p:spPr bwMode="auto">
           <a:xfrm>
-            <a:off x="3259455" y="803910"/>
-            <a:ext cx="6438900" cy="583565"/>
+            <a:off x="4935855" y="317989"/>
+            <a:ext cx="2320290" cy="430530"/>
           </a:xfrm>
           <a:prstGeom prst="rect">
             <a:avLst/>
           </a:prstGeom>
           <a:noFill/>
-        </p:spPr>
-        <p:txBody>
-          <a:bodyPr wrap="square" rtlCol="0" anchor="t">
+          <a:ln>
+            <a:noFill/>
+          </a:ln>
+        </p:spPr>
+        <p:txBody>
+          <a:bodyPr wrap="none" lIns="0" tIns="0" rIns="0" bIns="0" anchor="ctr">
             <a:spAutoFit/>
           </a:bodyPr>
           <a:p>
-            <a:r>
-              <a:rPr lang="en-US" altLang="zh-CN" sz="3200">
+            <a:pPr algn="ctr" defTabSz="913765"/>
+            <a:r>
+              <a:rPr lang="en-US" sz="2800" spc="300" dirty="0">
                 <a:solidFill>
                   <a:srgbClr val="FF0000"/>
                 </a:solidFill>
+                <a:latin typeface="Calibri" panose="020F0502020204030204" pitchFamily="34" charset="0"/>
+                <a:ea typeface="微软雅黑" panose="020B0503020204020204" pitchFamily="34" charset="-122"/>
+                <a:cs typeface="Lato Regular"/>
+                <a:sym typeface="Calibri" panose="020F0502020204030204" pitchFamily="34" charset="0"/>
               </a:rPr>
-              <a:t>2.1.1 </a:t>
-            </a:r>
-            <a:r>
-              <a:rPr lang="zh-CN" altLang="en-US" sz="3200">
+              <a:t>2.2 </a:t>
+            </a:r>
+            <a:r>
+              <a:rPr lang="zh-CN" altLang="en-US" sz="2800" spc="300" dirty="0">
                 <a:solidFill>
                   <a:srgbClr val="FF0000"/>
                 </a:solidFill>
+                <a:latin typeface="Calibri" panose="020F0502020204030204" pitchFamily="34" charset="0"/>
+                <a:ea typeface="微软雅黑" panose="020B0503020204020204" pitchFamily="34" charset="-122"/>
+                <a:cs typeface="Lato Regular"/>
+                <a:sym typeface="Calibri" panose="020F0502020204030204" pitchFamily="34" charset="0"/>
               </a:rPr>
-              <a:t>两类丢失更新问题</a:t>
-            </a:r>
-            <a:endParaRPr lang="zh-CN" altLang="en-US" sz="3200">
+              <a:t>隔离级别</a:t>
+            </a:r>
+            <a:endParaRPr lang="zh-CN" altLang="en-US" sz="2800" spc="300" dirty="0">
               <a:solidFill>
                 <a:srgbClr val="FF0000"/>
               </a:solidFill>
+              <a:latin typeface="Calibri" panose="020F0502020204030204" pitchFamily="34" charset="0"/>
+              <a:ea typeface="微软雅黑" panose="020B0503020204020204" pitchFamily="34" charset="-122"/>
+              <a:cs typeface="Lato Regular"/>
+              <a:sym typeface="Calibri" panose="020F0502020204030204" pitchFamily="34" charset="0"/>
             </a:endParaRPr>
           </a:p>
         </p:txBody>
@@ -12953,156 +12394,130 @@
         <p:cNvGrpSpPr/>
         <p:nvPr/>
       </p:nvGrpSpPr>
-      <p:grpSpPr/>
-      <p:sp>
-        <p:nvSpPr>
-          <p:cNvPr id="8" name="文本框 7"/>
-          <p:cNvSpPr txBox="1"/>
+      <p:grpSpPr>
+        <a:xfrm>
+          <a:off x="0" y="0"/>
+          <a:ext cx="0" cy="0"/>
+          <a:chOff x="0" y="0"/>
+          <a:chExt cx="0" cy="0"/>
+        </a:xfrm>
+      </p:grpSpPr>
+      <p:sp>
+        <p:nvSpPr>
+          <p:cNvPr id="66" name="Rectangle 21"/>
+          <p:cNvSpPr/>
           <p:nvPr/>
         </p:nvSpPr>
         <p:spPr>
           <a:xfrm>
-            <a:off x="1203960" y="613410"/>
-            <a:ext cx="9441180" cy="5354320"/>
+            <a:off x="5830086" y="1289648"/>
+            <a:ext cx="531827" cy="28478"/>
           </a:xfrm>
           <a:prstGeom prst="rect">
             <a:avLst/>
           </a:prstGeom>
-          <a:noFill/>
-        </p:spPr>
-        <p:txBody>
-          <a:bodyPr wrap="square" rtlCol="0" anchor="t">
-            <a:spAutoFit/>
-          </a:bodyPr>
-          <a:p>
-            <a:endParaRPr lang="zh-CN" altLang="en-US"/>
-          </a:p>
-          <a:p>
-            <a:r>
-              <a:rPr lang="zh-CN" altLang="en-US"/>
-              <a:t>事务的隔离级别主要分为以下几种：</a:t>
-            </a:r>
-            <a:endParaRPr lang="zh-CN" altLang="en-US"/>
-          </a:p>
-          <a:p>
-            <a:endParaRPr lang="zh-CN" altLang="en-US"/>
-          </a:p>
-          <a:p>
-            <a:r>
-              <a:rPr lang="zh-CN" altLang="en-US"/>
-              <a:t>READ UNCOMMITTED（未提交读），事务中的修改，即使没有提交，在其他事务也都是可见的。事务可以读取未提交的数据，这也被称为脏读。</a:t>
-            </a:r>
-            <a:endParaRPr lang="zh-CN" altLang="en-US"/>
-          </a:p>
-          <a:p>
-            <a:endParaRPr lang="zh-CN" altLang="en-US"/>
-          </a:p>
-          <a:p>
-            <a:r>
-              <a:rPr lang="zh-CN" altLang="en-US"/>
-              <a:t>READ COMMITTED（提交读），一个事务从开始直到提交之前，所做的任何修改对其他事务都是不可见的。这个级别有时候也叫做不可重复读，因为两次执行相同的查询，可能会得到不一样的结果。因为在这两次读之间可能有其他事务更改这个数据，每次读到的数据都是已经提交的。</a:t>
-            </a:r>
-            <a:endParaRPr lang="zh-CN" altLang="en-US"/>
-          </a:p>
-          <a:p>
-            <a:endParaRPr lang="zh-CN" altLang="en-US"/>
-          </a:p>
-          <a:p>
-            <a:r>
-              <a:rPr lang="zh-CN" altLang="en-US"/>
-              <a:t>REPEATABLE READ（可重复读），解决了脏读，也保证了在同一个事务中多次读取同样记录的结果是一致的。但是理论上，可重复读隔离级别还是无法解决另外一个幻读的问题，指的是当某个事务在读取某个范围内的记录时，另外一个事务也在该范围内插入了新的记录，当之前的事务再次读取该范围内的记录时，会产生幻行。</a:t>
-            </a:r>
-            <a:endParaRPr lang="zh-CN" altLang="en-US"/>
-          </a:p>
-          <a:p>
-            <a:endParaRPr lang="zh-CN" altLang="en-US"/>
-          </a:p>
-          <a:p>
-            <a:r>
-              <a:rPr lang="zh-CN" altLang="en-US"/>
-              <a:t>SERIALIZABLE（可串行化），它通过强制事务串行执行，避免了前面说的幻读的问题，但由于读取的每行数据都加锁，会导致大量的锁征用问题，因此性能也最差。</a:t>
-            </a:r>
-            <a:endParaRPr lang="zh-CN" altLang="en-US"/>
-          </a:p>
-          <a:p>
-            <a:endParaRPr lang="zh-CN" altLang="en-US"/>
-          </a:p>
-        </p:txBody>
-      </p:sp>
-      <p:sp>
-        <p:nvSpPr>
-          <p:cNvPr id="9" name="Rectangle 1"/>
-          <p:cNvSpPr/>
+          <a:solidFill>
+            <a:schemeClr val="accent1"/>
+          </a:solidFill>
+          <a:ln>
+            <a:noFill/>
+          </a:ln>
+        </p:spPr>
+        <p:style>
+          <a:lnRef idx="2">
+            <a:schemeClr val="accent1">
+              <a:shade val="50000"/>
+            </a:schemeClr>
+          </a:lnRef>
+          <a:fillRef idx="1">
+            <a:schemeClr val="accent1"/>
+          </a:fillRef>
+          <a:effectRef idx="0">
+            <a:schemeClr val="accent1"/>
+          </a:effectRef>
+          <a:fontRef idx="minor">
+            <a:schemeClr val="lt1"/>
+          </a:fontRef>
+        </p:style>
+        <p:txBody>
+          <a:bodyPr rtlCol="0" anchor="ctr"/>
+          <a:lstStyle/>
+          <a:p>
+            <a:pPr algn="ctr" defTabSz="913765"/>
+            <a:endParaRPr lang="en-US">
+              <a:solidFill>
+                <a:schemeClr val="accent1"/>
+              </a:solidFill>
+              <a:latin typeface="Calibri" panose="020F0502020204030204" pitchFamily="34" charset="0"/>
+              <a:ea typeface="微软雅黑" panose="020B0503020204020204" pitchFamily="34" charset="-122"/>
+              <a:sym typeface="Calibri" panose="020F0502020204030204" pitchFamily="34" charset="0"/>
+            </a:endParaRPr>
+          </a:p>
+        </p:txBody>
+      </p:sp>
+      <p:pic>
+        <p:nvPicPr>
+          <p:cNvPr id="2" name="图片 1"/>
+          <p:cNvPicPr>
+            <a:picLocks noChangeAspect="1"/>
+          </p:cNvPicPr>
           <p:nvPr/>
-        </p:nvSpPr>
-        <p:spPr bwMode="auto">
+        </p:nvPicPr>
+        <p:blipFill>
+          <a:blip r:embed="rId1"/>
+          <a:stretch>
+            <a:fillRect/>
+          </a:stretch>
+        </p:blipFill>
+        <p:spPr>
           <a:xfrm>
-            <a:off x="4935855" y="317989"/>
-            <a:ext cx="2320290" cy="430530"/>
+            <a:off x="2230755" y="2362835"/>
+            <a:ext cx="8528050" cy="2132330"/>
           </a:xfrm>
           <a:prstGeom prst="rect">
             <a:avLst/>
           </a:prstGeom>
-          <a:noFill/>
-          <a:ln>
-            <a:noFill/>
-          </a:ln>
-        </p:spPr>
-        <p:txBody>
-          <a:bodyPr wrap="none" lIns="0" tIns="0" rIns="0" bIns="0" anchor="ctr">
-            <a:spAutoFit/>
-          </a:bodyPr>
-          <a:p>
-            <a:pPr algn="ctr" defTabSz="913765"/>
-            <a:r>
-              <a:rPr lang="en-US" sz="2800" spc="300" dirty="0">
-                <a:solidFill>
-                  <a:srgbClr val="FF0000"/>
-                </a:solidFill>
-                <a:latin typeface="Calibri" panose="020F0502020204030204" pitchFamily="34" charset="0"/>
-                <a:ea typeface="微软雅黑" panose="020B0503020204020204" pitchFamily="34" charset="-122"/>
-                <a:cs typeface="Lato Regular"/>
-                <a:sym typeface="Calibri" panose="020F0502020204030204" pitchFamily="34" charset="0"/>
-              </a:rPr>
-              <a:t>2.2 </a:t>
-            </a:r>
-            <a:r>
-              <a:rPr lang="zh-CN" altLang="en-US" sz="2800" spc="300" dirty="0">
-                <a:solidFill>
-                  <a:srgbClr val="FF0000"/>
-                </a:solidFill>
-                <a:latin typeface="Calibri" panose="020F0502020204030204" pitchFamily="34" charset="0"/>
-                <a:ea typeface="微软雅黑" panose="020B0503020204020204" pitchFamily="34" charset="-122"/>
-                <a:cs typeface="Lato Regular"/>
-                <a:sym typeface="Calibri" panose="020F0502020204030204" pitchFamily="34" charset="0"/>
-              </a:rPr>
-              <a:t>隔离级别</a:t>
-            </a:r>
-            <a:endParaRPr lang="zh-CN" altLang="en-US" sz="2800" spc="300" dirty="0">
-              <a:solidFill>
-                <a:srgbClr val="FF0000"/>
-              </a:solidFill>
-              <a:latin typeface="Calibri" panose="020F0502020204030204" pitchFamily="34" charset="0"/>
-              <a:ea typeface="微软雅黑" panose="020B0503020204020204" pitchFamily="34" charset="-122"/>
-              <a:cs typeface="Lato Regular"/>
-              <a:sym typeface="Calibri" panose="020F0502020204030204" pitchFamily="34" charset="0"/>
-            </a:endParaRPr>
-          </a:p>
-        </p:txBody>
-      </p:sp>
+        </p:spPr>
+      </p:pic>
+      <p:pic>
+        <p:nvPicPr>
+          <p:cNvPr id="3" name="图片 2"/>
+          <p:cNvPicPr>
+            <a:picLocks noChangeAspect="1"/>
+          </p:cNvPicPr>
+          <p:nvPr/>
+        </p:nvPicPr>
+        <p:blipFill>
+          <a:blip r:embed="rId2"/>
+          <a:stretch>
+            <a:fillRect/>
+          </a:stretch>
+        </p:blipFill>
+        <p:spPr>
+          <a:xfrm>
+            <a:off x="2032000" y="1270000"/>
+            <a:ext cx="8128000" cy="4318000"/>
+          </a:xfrm>
+          <a:prstGeom prst="rect">
+            <a:avLst/>
+          </a:prstGeom>
+        </p:spPr>
+      </p:pic>
     </p:spTree>
   </p:cSld>
   <p:clrMapOvr>
     <a:masterClrMapping/>
   </p:clrMapOvr>
-  <mc:AlternateContent xmlns:mc="http://schemas.openxmlformats.org/markup-compatibility/2006">
-    <mc:Choice xmlns:p14="http://schemas.microsoft.com/office/powerpoint/2010/main" Requires="p14">
-      <p:transition p14:dur="700"/>
-    </mc:Choice>
-    <mc:Fallback>
-      <p:transition/>
-    </mc:Fallback>
-  </mc:AlternateContent>
+  <p:transition spd="slow">
+    <p:wipe/>
+  </p:transition>
+  <p:timing>
+    <p:tnLst>
+      <p:par>
+        <p:cTn id="1" dur="indefinite" restart="never" nodeType="tmRoot"/>
+      </p:par>
+    </p:tnLst>
+  </p:timing>
 </p:sld>
 </file>
 
@@ -13125,52 +12540,60 @@
       </p:grpSpPr>
       <p:sp>
         <p:nvSpPr>
-          <p:cNvPr id="66" name="Rectangle 21"/>
+          <p:cNvPr id="65" name="Rectangle 1"/>
           <p:cNvSpPr/>
           <p:nvPr/>
         </p:nvSpPr>
-        <p:spPr>
+        <p:spPr bwMode="auto">
           <a:xfrm>
-            <a:off x="5830086" y="1289648"/>
-            <a:ext cx="531827" cy="28478"/>
+            <a:off x="559435" y="129223"/>
+            <a:ext cx="10505440" cy="430530"/>
           </a:xfrm>
           <a:prstGeom prst="rect">
             <a:avLst/>
           </a:prstGeom>
-          <a:solidFill>
-            <a:schemeClr val="accent1"/>
-          </a:solidFill>
+          <a:noFill/>
           <a:ln>
             <a:noFill/>
           </a:ln>
         </p:spPr>
-        <p:style>
-          <a:lnRef idx="2">
-            <a:schemeClr val="accent1">
-              <a:shade val="50000"/>
-            </a:schemeClr>
-          </a:lnRef>
-          <a:fillRef idx="1">
-            <a:schemeClr val="accent1"/>
-          </a:fillRef>
-          <a:effectRef idx="0">
-            <a:schemeClr val="accent1"/>
-          </a:effectRef>
-          <a:fontRef idx="minor">
-            <a:schemeClr val="lt1"/>
-          </a:fontRef>
-        </p:style>
-        <p:txBody>
-          <a:bodyPr rtlCol="0" anchor="ctr"/>
-          <a:lstStyle/>
+        <p:txBody>
+          <a:bodyPr wrap="square" lIns="0" tIns="0" rIns="0" bIns="0" anchor="ctr">
+            <a:spAutoFit/>
+          </a:bodyPr>
           <a:p>
             <a:pPr algn="ctr" defTabSz="913765"/>
-            <a:endParaRPr lang="en-US">
+            <a:r>
+              <a:rPr lang="en-US" sz="2800" spc="300" dirty="0">
+                <a:solidFill>
+                  <a:srgbClr val="FF0000"/>
+                </a:solidFill>
+                <a:latin typeface="Calibri" panose="020F0502020204030204" pitchFamily="34" charset="0"/>
+                <a:ea typeface="微软雅黑" panose="020B0503020204020204" pitchFamily="34" charset="-122"/>
+                <a:cs typeface="Lato Regular"/>
+                <a:sym typeface="Calibri" panose="020F0502020204030204" pitchFamily="34" charset="0"/>
+              </a:rPr>
+              <a:t>2.3 </a:t>
+            </a:r>
+            <a:r>
+              <a:rPr lang="zh-CN" altLang="en-US" sz="2800" spc="300" dirty="0">
+                <a:solidFill>
+                  <a:srgbClr val="FF0000"/>
+                </a:solidFill>
+                <a:latin typeface="Calibri" panose="020F0502020204030204" pitchFamily="34" charset="0"/>
+                <a:ea typeface="微软雅黑" panose="020B0503020204020204" pitchFamily="34" charset="-122"/>
+                <a:cs typeface="Lato Regular"/>
+                <a:sym typeface="Calibri" panose="020F0502020204030204" pitchFamily="34" charset="0"/>
+              </a:rPr>
+              <a:t>多版本并发控制</a:t>
+            </a:r>
+            <a:endParaRPr lang="zh-CN" altLang="en-US" sz="2800" spc="300" dirty="0">
               <a:solidFill>
-                <a:schemeClr val="accent1"/>
+                <a:srgbClr val="FF0000"/>
               </a:solidFill>
               <a:latin typeface="Calibri" panose="020F0502020204030204" pitchFamily="34" charset="0"/>
               <a:ea typeface="微软雅黑" panose="020B0503020204020204" pitchFamily="34" charset="-122"/>
+              <a:cs typeface="Lato Regular"/>
               <a:sym typeface="Calibri" panose="020F0502020204030204" pitchFamily="34" charset="0"/>
             </a:endParaRPr>
           </a:p>
@@ -13192,38 +12615,68 @@
         </p:blipFill>
         <p:spPr>
           <a:xfrm>
-            <a:off x="2230755" y="2362835"/>
-            <a:ext cx="8528050" cy="2132330"/>
+            <a:off x="558800" y="1117600"/>
+            <a:ext cx="11074400" cy="4622800"/>
           </a:xfrm>
           <a:prstGeom prst="rect">
             <a:avLst/>
           </a:prstGeom>
         </p:spPr>
       </p:pic>
-      <p:pic>
-        <p:nvPicPr>
-          <p:cNvPr id="3" name="图片 2"/>
-          <p:cNvPicPr>
-            <a:picLocks noChangeAspect="1"/>
-          </p:cNvPicPr>
+      <p:sp>
+        <p:nvSpPr>
+          <p:cNvPr id="3" name="文本框 2"/>
+          <p:cNvSpPr txBox="1"/>
           <p:nvPr/>
-        </p:nvPicPr>
-        <p:blipFill>
-          <a:blip r:embed="rId2"/>
-          <a:stretch>
-            <a:fillRect/>
-          </a:stretch>
-        </p:blipFill>
+        </p:nvSpPr>
         <p:spPr>
           <a:xfrm>
-            <a:off x="2032000" y="1270000"/>
-            <a:ext cx="8128000" cy="4318000"/>
+            <a:off x="826770" y="749300"/>
+            <a:ext cx="10537825" cy="368300"/>
           </a:xfrm>
           <a:prstGeom prst="rect">
             <a:avLst/>
           </a:prstGeom>
-        </p:spPr>
-      </p:pic>
+          <a:noFill/>
+        </p:spPr>
+        <p:txBody>
+          <a:bodyPr wrap="square" rtlCol="0" anchor="t">
+            <a:spAutoFit/>
+          </a:bodyPr>
+          <a:p>
+            <a:pPr algn="ctr" defTabSz="913765"/>
+            <a:r>
+              <a:rPr lang="en-US" spc="300" dirty="0">
+                <a:solidFill>
+                  <a:schemeClr val="tx1">
+                    <a:lumMod val="50000"/>
+                  </a:schemeClr>
+                </a:solidFill>
+                <a:latin typeface="Calibri" panose="020F0502020204030204" pitchFamily="34" charset="0"/>
+                <a:ea typeface="微软雅黑" panose="020B0503020204020204" pitchFamily="34" charset="-122"/>
+                <a:cs typeface="Lato Regular"/>
+                <a:sym typeface="Calibri" panose="020F0502020204030204" pitchFamily="34" charset="0"/>
+              </a:rPr>
+              <a:t> </a:t>
+            </a:r>
+            <a:r>
+              <a:rPr lang="en-US" altLang="zh-CN" spc="300" dirty="0">
+                <a:solidFill>
+                  <a:schemeClr val="tx1">
+                    <a:lumMod val="50000"/>
+                  </a:schemeClr>
+                </a:solidFill>
+                <a:latin typeface="Calibri" panose="020F0502020204030204" pitchFamily="34" charset="0"/>
+                <a:ea typeface="微软雅黑" panose="020B0503020204020204" pitchFamily="34" charset="-122"/>
+                <a:cs typeface="Lato Regular"/>
+                <a:sym typeface="Calibri" panose="020F0502020204030204" pitchFamily="34" charset="0"/>
+              </a:rPr>
+              <a:t>MVCC(Multi Version Concurrency Control)</a:t>
+            </a:r>
+            <a:endParaRPr lang="zh-CN" altLang="en-US"/>
+          </a:p>
+        </p:txBody>
+      </p:sp>
     </p:spTree>
   </p:cSld>
   <p:clrMapOvr>
